--- a/batch25-project.pptx
+++ b/batch25-project.pptx
@@ -7,6 +7,9 @@
   <p:sldIdLst>
     <p:sldId id="256" r:id="rId2"/>
     <p:sldId id="257" r:id="rId3"/>
+    <p:sldId id="258" r:id="rId4"/>
+    <p:sldId id="259" r:id="rId5"/>
+    <p:sldId id="260" r:id="rId6"/>
   </p:sldIdLst>
   <p:sldSz cx="12192000" cy="6858000"/>
   <p:notesSz cx="6858000" cy="9144000"/>
@@ -244,7 +247,7 @@
           <a:p>
             <a:fld id="{44B0BF6E-BFAB-48E6-8DB1-1D8ABD5FADF1}" type="datetimeFigureOut">
               <a:rPr lang="en-US" smtClean="0"/>
-              <a:t>2/21/2018</a:t>
+              <a:t>2/27/2018</a:t>
             </a:fld>
             <a:endParaRPr lang="en-US"/>
           </a:p>
@@ -414,7 +417,7 @@
           <a:p>
             <a:fld id="{44B0BF6E-BFAB-48E6-8DB1-1D8ABD5FADF1}" type="datetimeFigureOut">
               <a:rPr lang="en-US" smtClean="0"/>
-              <a:t>2/21/2018</a:t>
+              <a:t>2/27/2018</a:t>
             </a:fld>
             <a:endParaRPr lang="en-US"/>
           </a:p>
@@ -594,7 +597,7 @@
           <a:p>
             <a:fld id="{44B0BF6E-BFAB-48E6-8DB1-1D8ABD5FADF1}" type="datetimeFigureOut">
               <a:rPr lang="en-US" smtClean="0"/>
-              <a:t>2/21/2018</a:t>
+              <a:t>2/27/2018</a:t>
             </a:fld>
             <a:endParaRPr lang="en-US"/>
           </a:p>
@@ -764,7 +767,7 @@
           <a:p>
             <a:fld id="{44B0BF6E-BFAB-48E6-8DB1-1D8ABD5FADF1}" type="datetimeFigureOut">
               <a:rPr lang="en-US" smtClean="0"/>
-              <a:t>2/21/2018</a:t>
+              <a:t>2/27/2018</a:t>
             </a:fld>
             <a:endParaRPr lang="en-US"/>
           </a:p>
@@ -1010,7 +1013,7 @@
           <a:p>
             <a:fld id="{44B0BF6E-BFAB-48E6-8DB1-1D8ABD5FADF1}" type="datetimeFigureOut">
               <a:rPr lang="en-US" smtClean="0"/>
-              <a:t>2/21/2018</a:t>
+              <a:t>2/27/2018</a:t>
             </a:fld>
             <a:endParaRPr lang="en-US"/>
           </a:p>
@@ -1242,7 +1245,7 @@
           <a:p>
             <a:fld id="{44B0BF6E-BFAB-48E6-8DB1-1D8ABD5FADF1}" type="datetimeFigureOut">
               <a:rPr lang="en-US" smtClean="0"/>
-              <a:t>2/21/2018</a:t>
+              <a:t>2/27/2018</a:t>
             </a:fld>
             <a:endParaRPr lang="en-US"/>
           </a:p>
@@ -1609,7 +1612,7 @@
           <a:p>
             <a:fld id="{44B0BF6E-BFAB-48E6-8DB1-1D8ABD5FADF1}" type="datetimeFigureOut">
               <a:rPr lang="en-US" smtClean="0"/>
-              <a:t>2/21/2018</a:t>
+              <a:t>2/27/2018</a:t>
             </a:fld>
             <a:endParaRPr lang="en-US"/>
           </a:p>
@@ -1727,7 +1730,7 @@
           <a:p>
             <a:fld id="{44B0BF6E-BFAB-48E6-8DB1-1D8ABD5FADF1}" type="datetimeFigureOut">
               <a:rPr lang="en-US" smtClean="0"/>
-              <a:t>2/21/2018</a:t>
+              <a:t>2/27/2018</a:t>
             </a:fld>
             <a:endParaRPr lang="en-US"/>
           </a:p>
@@ -1822,7 +1825,7 @@
           <a:p>
             <a:fld id="{44B0BF6E-BFAB-48E6-8DB1-1D8ABD5FADF1}" type="datetimeFigureOut">
               <a:rPr lang="en-US" smtClean="0"/>
-              <a:t>2/21/2018</a:t>
+              <a:t>2/27/2018</a:t>
             </a:fld>
             <a:endParaRPr lang="en-US"/>
           </a:p>
@@ -2099,7 +2102,7 @@
           <a:p>
             <a:fld id="{44B0BF6E-BFAB-48E6-8DB1-1D8ABD5FADF1}" type="datetimeFigureOut">
               <a:rPr lang="en-US" smtClean="0"/>
-              <a:t>2/21/2018</a:t>
+              <a:t>2/27/2018</a:t>
             </a:fld>
             <a:endParaRPr lang="en-US"/>
           </a:p>
@@ -2352,7 +2355,7 @@
           <a:p>
             <a:fld id="{44B0BF6E-BFAB-48E6-8DB1-1D8ABD5FADF1}" type="datetimeFigureOut">
               <a:rPr lang="en-US" smtClean="0"/>
-              <a:t>2/21/2018</a:t>
+              <a:t>2/27/2018</a:t>
             </a:fld>
             <a:endParaRPr lang="en-US"/>
           </a:p>
@@ -2565,7 +2568,7 @@
           <a:p>
             <a:fld id="{44B0BF6E-BFAB-48E6-8DB1-1D8ABD5FADF1}" type="datetimeFigureOut">
               <a:rPr lang="en-US" smtClean="0"/>
-              <a:t>2/21/2018</a:t>
+              <a:t>2/27/2018</a:t>
             </a:fld>
             <a:endParaRPr lang="en-US"/>
           </a:p>
@@ -2972,6 +2975,50 @@
       </p:grpSpPr>
       <p:sp>
         <p:nvSpPr>
+          <p:cNvPr id="28" name="Rectangle 27"/>
+          <p:cNvSpPr/>
+          <p:nvPr/>
+        </p:nvSpPr>
+        <p:spPr>
+          <a:xfrm>
+            <a:off x="5979660" y="4326503"/>
+            <a:ext cx="962107" cy="1455089"/>
+          </a:xfrm>
+          <a:prstGeom prst="rect">
+            <a:avLst/>
+          </a:prstGeom>
+        </p:spPr>
+        <p:style>
+          <a:lnRef idx="2">
+            <a:schemeClr val="accent1">
+              <a:shade val="50000"/>
+            </a:schemeClr>
+          </a:lnRef>
+          <a:fillRef idx="1">
+            <a:schemeClr val="accent1"/>
+          </a:fillRef>
+          <a:effectRef idx="0">
+            <a:schemeClr val="accent1"/>
+          </a:effectRef>
+          <a:fontRef idx="minor">
+            <a:schemeClr val="lt1"/>
+          </a:fontRef>
+        </p:style>
+        <p:txBody>
+          <a:bodyPr rtlCol="0" anchor="ctr"/>
+          <a:lstStyle/>
+          <a:p>
+            <a:pPr algn="ctr"/>
+            <a:r>
+              <a:rPr lang="en-US" dirty="0" smtClean="0"/>
+              <a:t>PROD</a:t>
+            </a:r>
+            <a:endParaRPr lang="en-US" dirty="0"/>
+          </a:p>
+        </p:txBody>
+      </p:sp>
+      <p:sp>
+        <p:nvSpPr>
           <p:cNvPr id="4" name="Oval 3"/>
           <p:cNvSpPr/>
           <p:nvPr/>
@@ -3880,6 +3927,152 @@
           </a:fillRef>
           <a:effectRef idx="2">
             <a:schemeClr val="dk1"/>
+          </a:effectRef>
+          <a:fontRef idx="minor">
+            <a:schemeClr val="tx1"/>
+          </a:fontRef>
+        </p:style>
+      </p:cxnSp>
+      <p:cxnSp>
+        <p:nvCxnSpPr>
+          <p:cNvPr id="24" name="Curved Connector 23"/>
+          <p:cNvCxnSpPr/>
+          <p:nvPr/>
+        </p:nvCxnSpPr>
+        <p:spPr>
+          <a:xfrm rot="16200000" flipH="1">
+            <a:off x="5581755" y="3788803"/>
+            <a:ext cx="917878" cy="362265"/>
+          </a:xfrm>
+          <a:prstGeom prst="curvedConnector3">
+            <a:avLst>
+              <a:gd name="adj1" fmla="val 50000"/>
+            </a:avLst>
+          </a:prstGeom>
+          <a:ln w="19050">
+            <a:solidFill>
+              <a:srgbClr val="FF0000"/>
+            </a:solidFill>
+            <a:tailEnd type="triangle"/>
+          </a:ln>
+        </p:spPr>
+        <p:style>
+          <a:lnRef idx="1">
+            <a:schemeClr val="accent1"/>
+          </a:lnRef>
+          <a:fillRef idx="0">
+            <a:schemeClr val="accent1"/>
+          </a:fillRef>
+          <a:effectRef idx="0">
+            <a:schemeClr val="accent1"/>
+          </a:effectRef>
+          <a:fontRef idx="minor">
+            <a:schemeClr val="tx1"/>
+          </a:fontRef>
+        </p:style>
+      </p:cxnSp>
+      <p:cxnSp>
+        <p:nvCxnSpPr>
+          <p:cNvPr id="25" name="Curved Connector 24"/>
+          <p:cNvCxnSpPr/>
+          <p:nvPr/>
+        </p:nvCxnSpPr>
+        <p:spPr>
+          <a:xfrm rot="16200000" flipH="1">
+            <a:off x="4840909" y="3890893"/>
+            <a:ext cx="731520" cy="139700"/>
+          </a:xfrm>
+          <a:prstGeom prst="curvedConnector3">
+            <a:avLst>
+              <a:gd name="adj1" fmla="val 41319"/>
+            </a:avLst>
+          </a:prstGeom>
+          <a:ln>
+            <a:tailEnd type="triangle"/>
+          </a:ln>
+        </p:spPr>
+        <p:style>
+          <a:lnRef idx="3">
+            <a:schemeClr val="dk1"/>
+          </a:lnRef>
+          <a:fillRef idx="0">
+            <a:schemeClr val="dk1"/>
+          </a:fillRef>
+          <a:effectRef idx="2">
+            <a:schemeClr val="dk1"/>
+          </a:effectRef>
+          <a:fontRef idx="minor">
+            <a:schemeClr val="tx1"/>
+          </a:fontRef>
+        </p:style>
+      </p:cxnSp>
+      <p:cxnSp>
+        <p:nvCxnSpPr>
+          <p:cNvPr id="33" name="Curved Connector 32"/>
+          <p:cNvCxnSpPr/>
+          <p:nvPr/>
+        </p:nvCxnSpPr>
+        <p:spPr>
+          <a:xfrm rot="16200000" flipH="1">
+            <a:off x="5981287" y="3671598"/>
+            <a:ext cx="1015448" cy="526276"/>
+          </a:xfrm>
+          <a:prstGeom prst="curvedConnector3">
+            <a:avLst>
+              <a:gd name="adj1" fmla="val 50000"/>
+            </a:avLst>
+          </a:prstGeom>
+          <a:ln>
+            <a:tailEnd type="triangle"/>
+          </a:ln>
+        </p:spPr>
+        <p:style>
+          <a:lnRef idx="3">
+            <a:schemeClr val="dk1"/>
+          </a:lnRef>
+          <a:fillRef idx="0">
+            <a:schemeClr val="dk1"/>
+          </a:fillRef>
+          <a:effectRef idx="2">
+            <a:schemeClr val="dk1"/>
+          </a:effectRef>
+          <a:fontRef idx="minor">
+            <a:schemeClr val="tx1"/>
+          </a:fontRef>
+        </p:style>
+      </p:cxnSp>
+      <p:cxnSp>
+        <p:nvCxnSpPr>
+          <p:cNvPr id="36" name="Curved Connector 35"/>
+          <p:cNvCxnSpPr/>
+          <p:nvPr/>
+        </p:nvCxnSpPr>
+        <p:spPr>
+          <a:xfrm rot="16200000" flipH="1">
+            <a:off x="4343649" y="3786569"/>
+            <a:ext cx="917878" cy="362265"/>
+          </a:xfrm>
+          <a:prstGeom prst="curvedConnector3">
+            <a:avLst>
+              <a:gd name="adj1" fmla="val 50000"/>
+            </a:avLst>
+          </a:prstGeom>
+          <a:ln w="19050">
+            <a:solidFill>
+              <a:srgbClr val="FF0000"/>
+            </a:solidFill>
+            <a:tailEnd type="triangle"/>
+          </a:ln>
+        </p:spPr>
+        <p:style>
+          <a:lnRef idx="1">
+            <a:schemeClr val="accent1"/>
+          </a:lnRef>
+          <a:fillRef idx="0">
+            <a:schemeClr val="accent1"/>
+          </a:fillRef>
+          <a:effectRef idx="0">
+            <a:schemeClr val="accent1"/>
           </a:effectRef>
           <a:fontRef idx="minor">
             <a:schemeClr val="tx1"/>
@@ -4704,6 +4897,1738 @@
     <p:extLst>
       <p:ext uri="{BB962C8B-B14F-4D97-AF65-F5344CB8AC3E}">
         <p14:creationId xmlns:p14="http://schemas.microsoft.com/office/powerpoint/2010/main" val="635529753"/>
+      </p:ext>
+    </p:extLst>
+  </p:cSld>
+  <p:clrMapOvr>
+    <a:masterClrMapping/>
+  </p:clrMapOvr>
+</p:sld>
+</file>
+
+<file path=ppt/slides/slide3.xml><?xml version="1.0" encoding="utf-8"?>
+<p:sld xmlns:a="http://schemas.openxmlformats.org/drawingml/2006/main" xmlns:r="http://schemas.openxmlformats.org/officeDocument/2006/relationships" xmlns:p="http://schemas.openxmlformats.org/presentationml/2006/main">
+  <p:cSld>
+    <p:spTree>
+      <p:nvGrpSpPr>
+        <p:cNvPr id="1" name=""/>
+        <p:cNvGrpSpPr/>
+        <p:nvPr/>
+      </p:nvGrpSpPr>
+      <p:grpSpPr>
+        <a:xfrm>
+          <a:off x="0" y="0"/>
+          <a:ext cx="0" cy="0"/>
+          <a:chOff x="0" y="0"/>
+          <a:chExt cx="0" cy="0"/>
+        </a:xfrm>
+      </p:grpSpPr>
+      <p:sp>
+        <p:nvSpPr>
+          <p:cNvPr id="4" name="TextBox 3"/>
+          <p:cNvSpPr txBox="1"/>
+          <p:nvPr/>
+        </p:nvSpPr>
+        <p:spPr>
+          <a:xfrm>
+            <a:off x="3840480" y="190831"/>
+            <a:ext cx="1472519" cy="369332"/>
+          </a:xfrm>
+          <a:prstGeom prst="rect">
+            <a:avLst/>
+          </a:prstGeom>
+          <a:noFill/>
+        </p:spPr>
+        <p:txBody>
+          <a:bodyPr wrap="none" rtlCol="0">
+            <a:spAutoFit/>
+          </a:bodyPr>
+          <a:lstStyle/>
+          <a:p>
+            <a:r>
+              <a:rPr lang="en-US" dirty="0" smtClean="0"/>
+              <a:t>QA </a:t>
+            </a:r>
+            <a:r>
+              <a:rPr lang="en-US" dirty="0" err="1" smtClean="0"/>
+              <a:t>WorkFlow</a:t>
+            </a:r>
+            <a:endParaRPr lang="en-US" dirty="0"/>
+          </a:p>
+        </p:txBody>
+      </p:sp>
+      <p:sp>
+        <p:nvSpPr>
+          <p:cNvPr id="5" name="Oval 4"/>
+          <p:cNvSpPr/>
+          <p:nvPr/>
+        </p:nvSpPr>
+        <p:spPr>
+          <a:xfrm>
+            <a:off x="381663" y="1431235"/>
+            <a:ext cx="1152939" cy="1264257"/>
+          </a:xfrm>
+          <a:prstGeom prst="ellipse">
+            <a:avLst/>
+          </a:prstGeom>
+        </p:spPr>
+        <p:style>
+          <a:lnRef idx="2">
+            <a:schemeClr val="accent1">
+              <a:shade val="50000"/>
+            </a:schemeClr>
+          </a:lnRef>
+          <a:fillRef idx="1">
+            <a:schemeClr val="accent1"/>
+          </a:fillRef>
+          <a:effectRef idx="0">
+            <a:schemeClr val="accent1"/>
+          </a:effectRef>
+          <a:fontRef idx="minor">
+            <a:schemeClr val="lt1"/>
+          </a:fontRef>
+        </p:style>
+        <p:txBody>
+          <a:bodyPr rtlCol="0" anchor="ctr"/>
+          <a:lstStyle/>
+          <a:p>
+            <a:pPr algn="ctr"/>
+            <a:r>
+              <a:rPr lang="en-US" dirty="0" err="1" smtClean="0"/>
+              <a:t>Develope</a:t>
+            </a:r>
+            <a:endParaRPr lang="en-US" dirty="0"/>
+          </a:p>
+        </p:txBody>
+      </p:sp>
+      <p:sp>
+        <p:nvSpPr>
+          <p:cNvPr id="6" name="Rectangle 5"/>
+          <p:cNvSpPr/>
+          <p:nvPr/>
+        </p:nvSpPr>
+        <p:spPr>
+          <a:xfrm>
+            <a:off x="2202511" y="1494845"/>
+            <a:ext cx="898498" cy="1256306"/>
+          </a:xfrm>
+          <a:prstGeom prst="rect">
+            <a:avLst/>
+          </a:prstGeom>
+        </p:spPr>
+        <p:style>
+          <a:lnRef idx="2">
+            <a:schemeClr val="accent1">
+              <a:shade val="50000"/>
+            </a:schemeClr>
+          </a:lnRef>
+          <a:fillRef idx="1">
+            <a:schemeClr val="accent1"/>
+          </a:fillRef>
+          <a:effectRef idx="0">
+            <a:schemeClr val="accent1"/>
+          </a:effectRef>
+          <a:fontRef idx="minor">
+            <a:schemeClr val="lt1"/>
+          </a:fontRef>
+        </p:style>
+        <p:txBody>
+          <a:bodyPr rtlCol="0" anchor="ctr"/>
+          <a:lstStyle/>
+          <a:p>
+            <a:pPr algn="ctr"/>
+            <a:r>
+              <a:rPr lang="en-US" dirty="0" err="1" smtClean="0"/>
+              <a:t>GitLab</a:t>
+            </a:r>
+            <a:endParaRPr lang="en-US" dirty="0"/>
+          </a:p>
+        </p:txBody>
+      </p:sp>
+      <p:sp>
+        <p:nvSpPr>
+          <p:cNvPr id="7" name="Rectangle 6"/>
+          <p:cNvSpPr/>
+          <p:nvPr/>
+        </p:nvSpPr>
+        <p:spPr>
+          <a:xfrm>
+            <a:off x="3745064" y="2695492"/>
+            <a:ext cx="4023360" cy="516835"/>
+          </a:xfrm>
+          <a:prstGeom prst="rect">
+            <a:avLst/>
+          </a:prstGeom>
+        </p:spPr>
+        <p:style>
+          <a:lnRef idx="2">
+            <a:schemeClr val="accent1">
+              <a:shade val="50000"/>
+            </a:schemeClr>
+          </a:lnRef>
+          <a:fillRef idx="1">
+            <a:schemeClr val="accent1"/>
+          </a:fillRef>
+          <a:effectRef idx="0">
+            <a:schemeClr val="accent1"/>
+          </a:effectRef>
+          <a:fontRef idx="minor">
+            <a:schemeClr val="lt1"/>
+          </a:fontRef>
+        </p:style>
+        <p:txBody>
+          <a:bodyPr rtlCol="0" anchor="ctr"/>
+          <a:lstStyle/>
+          <a:p>
+            <a:pPr algn="ctr"/>
+            <a:r>
+              <a:rPr lang="en-US" dirty="0" smtClean="0"/>
+              <a:t>Jenkins</a:t>
+            </a:r>
+            <a:endParaRPr lang="en-US" dirty="0"/>
+          </a:p>
+        </p:txBody>
+      </p:sp>
+      <p:sp>
+        <p:nvSpPr>
+          <p:cNvPr id="8" name="Rectangle 7"/>
+          <p:cNvSpPr/>
+          <p:nvPr/>
+        </p:nvSpPr>
+        <p:spPr>
+          <a:xfrm>
+            <a:off x="4174435" y="1121134"/>
+            <a:ext cx="922351" cy="1335819"/>
+          </a:xfrm>
+          <a:prstGeom prst="rect">
+            <a:avLst/>
+          </a:prstGeom>
+        </p:spPr>
+        <p:style>
+          <a:lnRef idx="2">
+            <a:schemeClr val="accent1">
+              <a:shade val="50000"/>
+            </a:schemeClr>
+          </a:lnRef>
+          <a:fillRef idx="1">
+            <a:schemeClr val="accent1"/>
+          </a:fillRef>
+          <a:effectRef idx="0">
+            <a:schemeClr val="accent1"/>
+          </a:effectRef>
+          <a:fontRef idx="minor">
+            <a:schemeClr val="lt1"/>
+          </a:fontRef>
+        </p:style>
+        <p:txBody>
+          <a:bodyPr rtlCol="0" anchor="ctr"/>
+          <a:lstStyle/>
+          <a:p>
+            <a:pPr algn="ctr"/>
+            <a:r>
+              <a:rPr lang="en-US" dirty="0" smtClean="0"/>
+              <a:t>Deploy</a:t>
+            </a:r>
+            <a:endParaRPr lang="en-US" dirty="0"/>
+          </a:p>
+        </p:txBody>
+      </p:sp>
+      <p:sp>
+        <p:nvSpPr>
+          <p:cNvPr id="9" name="Rectangle 8"/>
+          <p:cNvSpPr/>
+          <p:nvPr/>
+        </p:nvSpPr>
+        <p:spPr>
+          <a:xfrm>
+            <a:off x="4230094" y="3538330"/>
+            <a:ext cx="1415332" cy="453225"/>
+          </a:xfrm>
+          <a:prstGeom prst="rect">
+            <a:avLst/>
+          </a:prstGeom>
+        </p:spPr>
+        <p:style>
+          <a:lnRef idx="2">
+            <a:schemeClr val="accent1">
+              <a:shade val="50000"/>
+            </a:schemeClr>
+          </a:lnRef>
+          <a:fillRef idx="1">
+            <a:schemeClr val="accent1"/>
+          </a:fillRef>
+          <a:effectRef idx="0">
+            <a:schemeClr val="accent1"/>
+          </a:effectRef>
+          <a:fontRef idx="minor">
+            <a:schemeClr val="lt1"/>
+          </a:fontRef>
+        </p:style>
+        <p:txBody>
+          <a:bodyPr rtlCol="0" anchor="ctr"/>
+          <a:lstStyle/>
+          <a:p>
+            <a:pPr algn="ctr"/>
+            <a:r>
+              <a:rPr lang="en-US" dirty="0" smtClean="0"/>
+              <a:t>Ansible</a:t>
+            </a:r>
+            <a:endParaRPr lang="en-US" dirty="0"/>
+          </a:p>
+        </p:txBody>
+      </p:sp>
+      <p:sp>
+        <p:nvSpPr>
+          <p:cNvPr id="10" name="Rectangle 9"/>
+          <p:cNvSpPr/>
+          <p:nvPr/>
+        </p:nvSpPr>
+        <p:spPr>
+          <a:xfrm>
+            <a:off x="3935896" y="4611757"/>
+            <a:ext cx="2297927" cy="1820848"/>
+          </a:xfrm>
+          <a:prstGeom prst="rect">
+            <a:avLst/>
+          </a:prstGeom>
+        </p:spPr>
+        <p:style>
+          <a:lnRef idx="2">
+            <a:schemeClr val="accent1">
+              <a:shade val="50000"/>
+            </a:schemeClr>
+          </a:lnRef>
+          <a:fillRef idx="1">
+            <a:schemeClr val="accent1"/>
+          </a:fillRef>
+          <a:effectRef idx="0">
+            <a:schemeClr val="accent1"/>
+          </a:effectRef>
+          <a:fontRef idx="minor">
+            <a:schemeClr val="lt1"/>
+          </a:fontRef>
+        </p:style>
+        <p:txBody>
+          <a:bodyPr rtlCol="0" anchor="ctr"/>
+          <a:lstStyle/>
+          <a:p>
+            <a:pPr algn="ctr"/>
+            <a:r>
+              <a:rPr lang="en-US" dirty="0" smtClean="0"/>
+              <a:t>QA Node</a:t>
+            </a:r>
+            <a:endParaRPr lang="en-US" dirty="0"/>
+          </a:p>
+        </p:txBody>
+      </p:sp>
+      <p:cxnSp>
+        <p:nvCxnSpPr>
+          <p:cNvPr id="12" name="Straight Arrow Connector 11"/>
+          <p:cNvCxnSpPr>
+            <a:stCxn id="5" idx="6"/>
+            <a:endCxn id="6" idx="1"/>
+          </p:cNvCxnSpPr>
+          <p:nvPr/>
+        </p:nvCxnSpPr>
+        <p:spPr>
+          <a:xfrm>
+            <a:off x="1534602" y="2063364"/>
+            <a:ext cx="667909" cy="59634"/>
+          </a:xfrm>
+          <a:prstGeom prst="straightConnector1">
+            <a:avLst/>
+          </a:prstGeom>
+          <a:ln w="28575">
+            <a:solidFill>
+              <a:schemeClr val="tx1"/>
+            </a:solidFill>
+            <a:tailEnd type="triangle"/>
+          </a:ln>
+        </p:spPr>
+        <p:style>
+          <a:lnRef idx="1">
+            <a:schemeClr val="accent1"/>
+          </a:lnRef>
+          <a:fillRef idx="0">
+            <a:schemeClr val="accent1"/>
+          </a:fillRef>
+          <a:effectRef idx="0">
+            <a:schemeClr val="accent1"/>
+          </a:effectRef>
+          <a:fontRef idx="minor">
+            <a:schemeClr val="tx1"/>
+          </a:fontRef>
+        </p:style>
+      </p:cxnSp>
+      <p:cxnSp>
+        <p:nvCxnSpPr>
+          <p:cNvPr id="14" name="Straight Arrow Connector 13"/>
+          <p:cNvCxnSpPr>
+            <a:stCxn id="6" idx="3"/>
+          </p:cNvCxnSpPr>
+          <p:nvPr/>
+        </p:nvCxnSpPr>
+        <p:spPr>
+          <a:xfrm>
+            <a:off x="3101009" y="2122998"/>
+            <a:ext cx="1280160" cy="811033"/>
+          </a:xfrm>
+          <a:prstGeom prst="straightConnector1">
+            <a:avLst/>
+          </a:prstGeom>
+          <a:ln w="28575">
+            <a:solidFill>
+              <a:schemeClr val="tx1"/>
+            </a:solidFill>
+            <a:tailEnd type="triangle"/>
+          </a:ln>
+        </p:spPr>
+        <p:style>
+          <a:lnRef idx="1">
+            <a:schemeClr val="accent1"/>
+          </a:lnRef>
+          <a:fillRef idx="0">
+            <a:schemeClr val="accent1"/>
+          </a:fillRef>
+          <a:effectRef idx="0">
+            <a:schemeClr val="accent1"/>
+          </a:effectRef>
+          <a:fontRef idx="minor">
+            <a:schemeClr val="tx1"/>
+          </a:fontRef>
+        </p:style>
+      </p:cxnSp>
+      <p:cxnSp>
+        <p:nvCxnSpPr>
+          <p:cNvPr id="16" name="Straight Arrow Connector 15"/>
+          <p:cNvCxnSpPr/>
+          <p:nvPr/>
+        </p:nvCxnSpPr>
+        <p:spPr>
+          <a:xfrm flipV="1">
+            <a:off x="4659464" y="2186609"/>
+            <a:ext cx="0" cy="747422"/>
+          </a:xfrm>
+          <a:prstGeom prst="straightConnector1">
+            <a:avLst/>
+          </a:prstGeom>
+          <a:ln w="28575">
+            <a:solidFill>
+              <a:schemeClr val="tx1"/>
+            </a:solidFill>
+            <a:tailEnd type="triangle"/>
+          </a:ln>
+        </p:spPr>
+        <p:style>
+          <a:lnRef idx="1">
+            <a:schemeClr val="accent1"/>
+          </a:lnRef>
+          <a:fillRef idx="0">
+            <a:schemeClr val="accent1"/>
+          </a:fillRef>
+          <a:effectRef idx="0">
+            <a:schemeClr val="accent1"/>
+          </a:effectRef>
+          <a:fontRef idx="minor">
+            <a:schemeClr val="tx1"/>
+          </a:fontRef>
+        </p:style>
+      </p:cxnSp>
+      <p:cxnSp>
+        <p:nvCxnSpPr>
+          <p:cNvPr id="18" name="Curved Connector 17"/>
+          <p:cNvCxnSpPr/>
+          <p:nvPr/>
+        </p:nvCxnSpPr>
+        <p:spPr>
+          <a:xfrm rot="16200000" flipH="1">
+            <a:off x="3959753" y="3291842"/>
+            <a:ext cx="2592122" cy="524784"/>
+          </a:xfrm>
+          <a:prstGeom prst="curvedConnector3">
+            <a:avLst/>
+          </a:prstGeom>
+          <a:ln w="28575">
+            <a:solidFill>
+              <a:schemeClr val="tx1"/>
+            </a:solidFill>
+            <a:tailEnd type="triangle"/>
+          </a:ln>
+        </p:spPr>
+        <p:style>
+          <a:lnRef idx="1">
+            <a:schemeClr val="accent1"/>
+          </a:lnRef>
+          <a:fillRef idx="0">
+            <a:schemeClr val="accent1"/>
+          </a:fillRef>
+          <a:effectRef idx="0">
+            <a:schemeClr val="accent1"/>
+          </a:effectRef>
+          <a:fontRef idx="minor">
+            <a:schemeClr val="tx1"/>
+          </a:fontRef>
+        </p:style>
+      </p:cxnSp>
+      <p:sp>
+        <p:nvSpPr>
+          <p:cNvPr id="20" name="Rectangle 19"/>
+          <p:cNvSpPr/>
+          <p:nvPr/>
+        </p:nvSpPr>
+        <p:spPr>
+          <a:xfrm>
+            <a:off x="5640123" y="1121134"/>
+            <a:ext cx="1182096" cy="1335819"/>
+          </a:xfrm>
+          <a:prstGeom prst="rect">
+            <a:avLst/>
+          </a:prstGeom>
+        </p:spPr>
+        <p:style>
+          <a:lnRef idx="2">
+            <a:schemeClr val="accent4">
+              <a:shade val="50000"/>
+            </a:schemeClr>
+          </a:lnRef>
+          <a:fillRef idx="1">
+            <a:schemeClr val="accent4"/>
+          </a:fillRef>
+          <a:effectRef idx="0">
+            <a:schemeClr val="accent4"/>
+          </a:effectRef>
+          <a:fontRef idx="minor">
+            <a:schemeClr val="lt1"/>
+          </a:fontRef>
+        </p:style>
+        <p:txBody>
+          <a:bodyPr rtlCol="0" anchor="ctr"/>
+          <a:lstStyle/>
+          <a:p>
+            <a:pPr algn="ctr"/>
+            <a:r>
+              <a:rPr lang="en-US" dirty="0" smtClean="0">
+                <a:solidFill>
+                  <a:schemeClr val="tx1"/>
+                </a:solidFill>
+              </a:rPr>
+              <a:t>Selenium</a:t>
+            </a:r>
+            <a:endParaRPr lang="en-US" dirty="0">
+              <a:solidFill>
+                <a:schemeClr val="tx1"/>
+              </a:solidFill>
+            </a:endParaRPr>
+          </a:p>
+        </p:txBody>
+      </p:sp>
+      <p:sp>
+        <p:nvSpPr>
+          <p:cNvPr id="21" name="Rectangle 20"/>
+          <p:cNvSpPr/>
+          <p:nvPr/>
+        </p:nvSpPr>
+        <p:spPr>
+          <a:xfrm>
+            <a:off x="7626625" y="1141013"/>
+            <a:ext cx="1009816" cy="1335819"/>
+          </a:xfrm>
+          <a:prstGeom prst="rect">
+            <a:avLst/>
+          </a:prstGeom>
+        </p:spPr>
+        <p:style>
+          <a:lnRef idx="2">
+            <a:schemeClr val="accent4">
+              <a:shade val="50000"/>
+            </a:schemeClr>
+          </a:lnRef>
+          <a:fillRef idx="1">
+            <a:schemeClr val="accent4"/>
+          </a:fillRef>
+          <a:effectRef idx="0">
+            <a:schemeClr val="accent4"/>
+          </a:effectRef>
+          <a:fontRef idx="minor">
+            <a:schemeClr val="lt1"/>
+          </a:fontRef>
+        </p:style>
+        <p:txBody>
+          <a:bodyPr rtlCol="0" anchor="ctr"/>
+          <a:lstStyle/>
+          <a:p>
+            <a:pPr algn="ctr"/>
+            <a:r>
+              <a:rPr lang="en-US" dirty="0" smtClean="0">
+                <a:solidFill>
+                  <a:schemeClr val="tx1"/>
+                </a:solidFill>
+              </a:rPr>
+              <a:t>Nexus</a:t>
+            </a:r>
+            <a:endParaRPr lang="en-US" dirty="0">
+              <a:solidFill>
+                <a:schemeClr val="tx1"/>
+              </a:solidFill>
+            </a:endParaRPr>
+          </a:p>
+        </p:txBody>
+      </p:sp>
+      <p:sp>
+        <p:nvSpPr>
+          <p:cNvPr id="22" name="Right Arrow 21"/>
+          <p:cNvSpPr/>
+          <p:nvPr/>
+        </p:nvSpPr>
+        <p:spPr>
+          <a:xfrm>
+            <a:off x="7021002" y="1598212"/>
+            <a:ext cx="516834" cy="484632"/>
+          </a:xfrm>
+          <a:prstGeom prst="rightArrow">
+            <a:avLst/>
+          </a:prstGeom>
+        </p:spPr>
+        <p:style>
+          <a:lnRef idx="2">
+            <a:schemeClr val="accent1">
+              <a:shade val="50000"/>
+            </a:schemeClr>
+          </a:lnRef>
+          <a:fillRef idx="1">
+            <a:schemeClr val="accent1"/>
+          </a:fillRef>
+          <a:effectRef idx="0">
+            <a:schemeClr val="accent1"/>
+          </a:effectRef>
+          <a:fontRef idx="minor">
+            <a:schemeClr val="lt1"/>
+          </a:fontRef>
+        </p:style>
+        <p:txBody>
+          <a:bodyPr rtlCol="0" anchor="ctr"/>
+          <a:lstStyle/>
+          <a:p>
+            <a:pPr algn="ctr"/>
+            <a:endParaRPr lang="en-US"/>
+          </a:p>
+        </p:txBody>
+      </p:sp>
+      <p:cxnSp>
+        <p:nvCxnSpPr>
+          <p:cNvPr id="24" name="Straight Arrow Connector 23"/>
+          <p:cNvCxnSpPr/>
+          <p:nvPr/>
+        </p:nvCxnSpPr>
+        <p:spPr>
+          <a:xfrm flipV="1">
+            <a:off x="8825948" y="1804946"/>
+            <a:ext cx="1645920" cy="7951"/>
+          </a:xfrm>
+          <a:prstGeom prst="straightConnector1">
+            <a:avLst/>
+          </a:prstGeom>
+          <a:ln w="28575">
+            <a:solidFill>
+              <a:schemeClr val="tx1"/>
+            </a:solidFill>
+            <a:headEnd type="triangle"/>
+            <a:tailEnd type="triangle"/>
+          </a:ln>
+        </p:spPr>
+        <p:style>
+          <a:lnRef idx="1">
+            <a:schemeClr val="accent1"/>
+          </a:lnRef>
+          <a:fillRef idx="0">
+            <a:schemeClr val="accent1"/>
+          </a:fillRef>
+          <a:effectRef idx="0">
+            <a:schemeClr val="accent1"/>
+          </a:effectRef>
+          <a:fontRef idx="minor">
+            <a:schemeClr val="tx1"/>
+          </a:fontRef>
+        </p:style>
+      </p:cxnSp>
+      <p:sp>
+        <p:nvSpPr>
+          <p:cNvPr id="25" name="Oval 24"/>
+          <p:cNvSpPr/>
+          <p:nvPr/>
+        </p:nvSpPr>
+        <p:spPr>
+          <a:xfrm>
+            <a:off x="10622943" y="1001864"/>
+            <a:ext cx="1232452" cy="1455089"/>
+          </a:xfrm>
+          <a:prstGeom prst="ellipse">
+            <a:avLst/>
+          </a:prstGeom>
+        </p:spPr>
+        <p:style>
+          <a:lnRef idx="2">
+            <a:schemeClr val="accent1">
+              <a:shade val="50000"/>
+            </a:schemeClr>
+          </a:lnRef>
+          <a:fillRef idx="1">
+            <a:schemeClr val="accent1"/>
+          </a:fillRef>
+          <a:effectRef idx="0">
+            <a:schemeClr val="accent1"/>
+          </a:effectRef>
+          <a:fontRef idx="minor">
+            <a:schemeClr val="lt1"/>
+          </a:fontRef>
+        </p:style>
+        <p:txBody>
+          <a:bodyPr rtlCol="0" anchor="ctr"/>
+          <a:lstStyle/>
+          <a:p>
+            <a:pPr algn="ctr"/>
+            <a:r>
+              <a:rPr lang="en-US" dirty="0" smtClean="0"/>
+              <a:t>END </a:t>
+            </a:r>
+            <a:br>
+              <a:rPr lang="en-US" dirty="0" smtClean="0"/>
+            </a:br>
+            <a:r>
+              <a:rPr lang="en-US" dirty="0" smtClean="0"/>
+              <a:t>Users</a:t>
+            </a:r>
+            <a:endParaRPr lang="en-US" dirty="0"/>
+          </a:p>
+        </p:txBody>
+      </p:sp>
+    </p:spTree>
+    <p:extLst>
+      <p:ext uri="{BB962C8B-B14F-4D97-AF65-F5344CB8AC3E}">
+        <p14:creationId xmlns:p14="http://schemas.microsoft.com/office/powerpoint/2010/main" val="159424582"/>
+      </p:ext>
+    </p:extLst>
+  </p:cSld>
+  <p:clrMapOvr>
+    <a:masterClrMapping/>
+  </p:clrMapOvr>
+</p:sld>
+</file>
+
+<file path=ppt/slides/slide4.xml><?xml version="1.0" encoding="utf-8"?>
+<p:sld xmlns:a="http://schemas.openxmlformats.org/drawingml/2006/main" xmlns:r="http://schemas.openxmlformats.org/officeDocument/2006/relationships" xmlns:p="http://schemas.openxmlformats.org/presentationml/2006/main">
+  <p:cSld>
+    <p:spTree>
+      <p:nvGrpSpPr>
+        <p:cNvPr id="1" name=""/>
+        <p:cNvGrpSpPr/>
+        <p:nvPr/>
+      </p:nvGrpSpPr>
+      <p:grpSpPr>
+        <a:xfrm>
+          <a:off x="0" y="0"/>
+          <a:ext cx="0" cy="0"/>
+          <a:chOff x="0" y="0"/>
+          <a:chExt cx="0" cy="0"/>
+        </a:xfrm>
+      </p:grpSpPr>
+      <p:sp>
+        <p:nvSpPr>
+          <p:cNvPr id="4" name="TextBox 3"/>
+          <p:cNvSpPr txBox="1"/>
+          <p:nvPr/>
+        </p:nvSpPr>
+        <p:spPr>
+          <a:xfrm>
+            <a:off x="3551464" y="179614"/>
+            <a:ext cx="4465865" cy="369332"/>
+          </a:xfrm>
+          <a:prstGeom prst="rect">
+            <a:avLst/>
+          </a:prstGeom>
+          <a:noFill/>
+        </p:spPr>
+        <p:txBody>
+          <a:bodyPr wrap="square" rtlCol="0">
+            <a:spAutoFit/>
+          </a:bodyPr>
+          <a:lstStyle/>
+          <a:p>
+            <a:r>
+              <a:rPr lang="en-US" dirty="0" smtClean="0"/>
+              <a:t>PROD-INFRA</a:t>
+            </a:r>
+            <a:endParaRPr lang="en-US" dirty="0"/>
+          </a:p>
+        </p:txBody>
+      </p:sp>
+      <p:sp>
+        <p:nvSpPr>
+          <p:cNvPr id="5" name="Rectangle 4"/>
+          <p:cNvSpPr/>
+          <p:nvPr/>
+        </p:nvSpPr>
+        <p:spPr>
+          <a:xfrm>
+            <a:off x="3886200" y="922564"/>
+            <a:ext cx="3551464" cy="800100"/>
+          </a:xfrm>
+          <a:prstGeom prst="rect">
+            <a:avLst/>
+          </a:prstGeom>
+        </p:spPr>
+        <p:style>
+          <a:lnRef idx="2">
+            <a:schemeClr val="accent1">
+              <a:shade val="50000"/>
+            </a:schemeClr>
+          </a:lnRef>
+          <a:fillRef idx="1">
+            <a:schemeClr val="accent1"/>
+          </a:fillRef>
+          <a:effectRef idx="0">
+            <a:schemeClr val="accent1"/>
+          </a:effectRef>
+          <a:fontRef idx="minor">
+            <a:schemeClr val="lt1"/>
+          </a:fontRef>
+        </p:style>
+        <p:txBody>
+          <a:bodyPr rtlCol="0" anchor="ctr"/>
+          <a:lstStyle/>
+          <a:p>
+            <a:pPr algn="ctr"/>
+            <a:r>
+              <a:rPr lang="en-US" dirty="0" smtClean="0"/>
+              <a:t>Load Balancer</a:t>
+            </a:r>
+            <a:endParaRPr lang="en-US" dirty="0"/>
+          </a:p>
+        </p:txBody>
+      </p:sp>
+      <p:sp>
+        <p:nvSpPr>
+          <p:cNvPr id="6" name="Rectangle 5"/>
+          <p:cNvSpPr/>
+          <p:nvPr/>
+        </p:nvSpPr>
+        <p:spPr>
+          <a:xfrm>
+            <a:off x="3257550" y="2334986"/>
+            <a:ext cx="2212521" cy="2563585"/>
+          </a:xfrm>
+          <a:prstGeom prst="rect">
+            <a:avLst/>
+          </a:prstGeom>
+        </p:spPr>
+        <p:style>
+          <a:lnRef idx="2">
+            <a:schemeClr val="accent1">
+              <a:shade val="50000"/>
+            </a:schemeClr>
+          </a:lnRef>
+          <a:fillRef idx="1">
+            <a:schemeClr val="accent1"/>
+          </a:fillRef>
+          <a:effectRef idx="0">
+            <a:schemeClr val="accent1"/>
+          </a:effectRef>
+          <a:fontRef idx="minor">
+            <a:schemeClr val="lt1"/>
+          </a:fontRef>
+        </p:style>
+        <p:txBody>
+          <a:bodyPr rtlCol="0" anchor="ctr"/>
+          <a:lstStyle/>
+          <a:p>
+            <a:pPr algn="ctr"/>
+            <a:r>
+              <a:rPr lang="en-US" dirty="0" smtClean="0"/>
+              <a:t>WEB</a:t>
+            </a:r>
+            <a:br>
+              <a:rPr lang="en-US" dirty="0" smtClean="0"/>
+            </a:br>
+            <a:r>
+              <a:rPr lang="en-US" dirty="0" smtClean="0"/>
+              <a:t>+</a:t>
+            </a:r>
+            <a:br>
+              <a:rPr lang="en-US" dirty="0" smtClean="0"/>
+            </a:br>
+            <a:r>
+              <a:rPr lang="en-US" dirty="0" smtClean="0"/>
+              <a:t>APP 1</a:t>
+            </a:r>
+            <a:endParaRPr lang="en-US" dirty="0"/>
+          </a:p>
+        </p:txBody>
+      </p:sp>
+      <p:sp>
+        <p:nvSpPr>
+          <p:cNvPr id="7" name="Rectangle 6"/>
+          <p:cNvSpPr/>
+          <p:nvPr/>
+        </p:nvSpPr>
+        <p:spPr>
+          <a:xfrm>
+            <a:off x="6471557" y="2334985"/>
+            <a:ext cx="2212521" cy="2563585"/>
+          </a:xfrm>
+          <a:prstGeom prst="rect">
+            <a:avLst/>
+          </a:prstGeom>
+        </p:spPr>
+        <p:style>
+          <a:lnRef idx="2">
+            <a:schemeClr val="accent1">
+              <a:shade val="50000"/>
+            </a:schemeClr>
+          </a:lnRef>
+          <a:fillRef idx="1">
+            <a:schemeClr val="accent1"/>
+          </a:fillRef>
+          <a:effectRef idx="0">
+            <a:schemeClr val="accent1"/>
+          </a:effectRef>
+          <a:fontRef idx="minor">
+            <a:schemeClr val="lt1"/>
+          </a:fontRef>
+        </p:style>
+        <p:txBody>
+          <a:bodyPr rtlCol="0" anchor="ctr"/>
+          <a:lstStyle/>
+          <a:p>
+            <a:pPr algn="ctr"/>
+            <a:r>
+              <a:rPr lang="en-US" dirty="0" smtClean="0"/>
+              <a:t>WEB</a:t>
+            </a:r>
+            <a:br>
+              <a:rPr lang="en-US" dirty="0" smtClean="0"/>
+            </a:br>
+            <a:r>
+              <a:rPr lang="en-US" dirty="0" smtClean="0"/>
+              <a:t>+</a:t>
+            </a:r>
+            <a:br>
+              <a:rPr lang="en-US" dirty="0" smtClean="0"/>
+            </a:br>
+            <a:r>
+              <a:rPr lang="en-US" dirty="0" smtClean="0"/>
+              <a:t>APP 2</a:t>
+            </a:r>
+            <a:endParaRPr lang="en-US" dirty="0"/>
+          </a:p>
+        </p:txBody>
+      </p:sp>
+      <p:sp>
+        <p:nvSpPr>
+          <p:cNvPr id="8" name="Rectangle 7"/>
+          <p:cNvSpPr/>
+          <p:nvPr/>
+        </p:nvSpPr>
+        <p:spPr>
+          <a:xfrm>
+            <a:off x="5021036" y="5559879"/>
+            <a:ext cx="2359478" cy="881742"/>
+          </a:xfrm>
+          <a:prstGeom prst="rect">
+            <a:avLst/>
+          </a:prstGeom>
+        </p:spPr>
+        <p:style>
+          <a:lnRef idx="2">
+            <a:schemeClr val="accent1">
+              <a:shade val="50000"/>
+            </a:schemeClr>
+          </a:lnRef>
+          <a:fillRef idx="1">
+            <a:schemeClr val="accent1"/>
+          </a:fillRef>
+          <a:effectRef idx="0">
+            <a:schemeClr val="accent1"/>
+          </a:effectRef>
+          <a:fontRef idx="minor">
+            <a:schemeClr val="lt1"/>
+          </a:fontRef>
+        </p:style>
+        <p:txBody>
+          <a:bodyPr rtlCol="0" anchor="ctr"/>
+          <a:lstStyle/>
+          <a:p>
+            <a:pPr algn="ctr"/>
+            <a:r>
+              <a:rPr lang="en-US" dirty="0" smtClean="0"/>
+              <a:t>DB</a:t>
+            </a:r>
+            <a:endParaRPr lang="en-US" dirty="0"/>
+          </a:p>
+        </p:txBody>
+      </p:sp>
+      <p:cxnSp>
+        <p:nvCxnSpPr>
+          <p:cNvPr id="10" name="Straight Arrow Connector 9"/>
+          <p:cNvCxnSpPr/>
+          <p:nvPr/>
+        </p:nvCxnSpPr>
+        <p:spPr>
+          <a:xfrm flipH="1">
+            <a:off x="4669971" y="1502229"/>
+            <a:ext cx="636815" cy="1396092"/>
+          </a:xfrm>
+          <a:prstGeom prst="straightConnector1">
+            <a:avLst/>
+          </a:prstGeom>
+          <a:ln w="28575">
+            <a:solidFill>
+              <a:schemeClr val="tx1"/>
+            </a:solidFill>
+            <a:tailEnd type="triangle"/>
+          </a:ln>
+        </p:spPr>
+        <p:style>
+          <a:lnRef idx="1">
+            <a:schemeClr val="accent1"/>
+          </a:lnRef>
+          <a:fillRef idx="0">
+            <a:schemeClr val="accent1"/>
+          </a:fillRef>
+          <a:effectRef idx="0">
+            <a:schemeClr val="accent1"/>
+          </a:effectRef>
+          <a:fontRef idx="minor">
+            <a:schemeClr val="tx1"/>
+          </a:fontRef>
+        </p:style>
+      </p:cxnSp>
+      <p:cxnSp>
+        <p:nvCxnSpPr>
+          <p:cNvPr id="12" name="Straight Arrow Connector 11"/>
+          <p:cNvCxnSpPr/>
+          <p:nvPr/>
+        </p:nvCxnSpPr>
+        <p:spPr>
+          <a:xfrm>
+            <a:off x="6082393" y="1518557"/>
+            <a:ext cx="955221" cy="1424668"/>
+          </a:xfrm>
+          <a:prstGeom prst="straightConnector1">
+            <a:avLst/>
+          </a:prstGeom>
+          <a:ln w="28575">
+            <a:solidFill>
+              <a:schemeClr val="tx1"/>
+            </a:solidFill>
+            <a:tailEnd type="triangle"/>
+          </a:ln>
+        </p:spPr>
+        <p:style>
+          <a:lnRef idx="1">
+            <a:schemeClr val="accent1"/>
+          </a:lnRef>
+          <a:fillRef idx="0">
+            <a:schemeClr val="accent1"/>
+          </a:fillRef>
+          <a:effectRef idx="0">
+            <a:schemeClr val="accent1"/>
+          </a:effectRef>
+          <a:fontRef idx="minor">
+            <a:schemeClr val="tx1"/>
+          </a:fontRef>
+        </p:style>
+      </p:cxnSp>
+      <p:cxnSp>
+        <p:nvCxnSpPr>
+          <p:cNvPr id="14" name="Straight Arrow Connector 13"/>
+          <p:cNvCxnSpPr/>
+          <p:nvPr/>
+        </p:nvCxnSpPr>
+        <p:spPr>
+          <a:xfrm>
+            <a:off x="4776107" y="4516891"/>
+            <a:ext cx="1008289" cy="1483859"/>
+          </a:xfrm>
+          <a:prstGeom prst="straightConnector1">
+            <a:avLst/>
+          </a:prstGeom>
+          <a:ln w="28575">
+            <a:solidFill>
+              <a:schemeClr val="tx1"/>
+            </a:solidFill>
+            <a:tailEnd type="triangle"/>
+          </a:ln>
+        </p:spPr>
+        <p:style>
+          <a:lnRef idx="1">
+            <a:schemeClr val="accent1"/>
+          </a:lnRef>
+          <a:fillRef idx="0">
+            <a:schemeClr val="accent1"/>
+          </a:fillRef>
+          <a:effectRef idx="0">
+            <a:schemeClr val="accent1"/>
+          </a:effectRef>
+          <a:fontRef idx="minor">
+            <a:schemeClr val="tx1"/>
+          </a:fontRef>
+        </p:style>
+      </p:cxnSp>
+      <p:cxnSp>
+        <p:nvCxnSpPr>
+          <p:cNvPr id="16" name="Straight Arrow Connector 15"/>
+          <p:cNvCxnSpPr/>
+          <p:nvPr/>
+        </p:nvCxnSpPr>
+        <p:spPr>
+          <a:xfrm flipH="1">
+            <a:off x="6809014" y="4563836"/>
+            <a:ext cx="571500" cy="1355271"/>
+          </a:xfrm>
+          <a:prstGeom prst="straightConnector1">
+            <a:avLst/>
+          </a:prstGeom>
+          <a:ln w="28575">
+            <a:solidFill>
+              <a:schemeClr val="tx1"/>
+            </a:solidFill>
+            <a:tailEnd type="triangle"/>
+          </a:ln>
+        </p:spPr>
+        <p:style>
+          <a:lnRef idx="1">
+            <a:schemeClr val="accent1"/>
+          </a:lnRef>
+          <a:fillRef idx="0">
+            <a:schemeClr val="accent1"/>
+          </a:fillRef>
+          <a:effectRef idx="0">
+            <a:schemeClr val="accent1"/>
+          </a:effectRef>
+          <a:fontRef idx="minor">
+            <a:schemeClr val="tx1"/>
+          </a:fontRef>
+        </p:style>
+      </p:cxnSp>
+    </p:spTree>
+    <p:extLst>
+      <p:ext uri="{BB962C8B-B14F-4D97-AF65-F5344CB8AC3E}">
+        <p14:creationId xmlns:p14="http://schemas.microsoft.com/office/powerpoint/2010/main" val="2832053957"/>
+      </p:ext>
+    </p:extLst>
+  </p:cSld>
+  <p:clrMapOvr>
+    <a:masterClrMapping/>
+  </p:clrMapOvr>
+</p:sld>
+</file>
+
+<file path=ppt/slides/slide5.xml><?xml version="1.0" encoding="utf-8"?>
+<p:sld xmlns:a="http://schemas.openxmlformats.org/drawingml/2006/main" xmlns:r="http://schemas.openxmlformats.org/officeDocument/2006/relationships" xmlns:p="http://schemas.openxmlformats.org/presentationml/2006/main">
+  <p:cSld>
+    <p:spTree>
+      <p:nvGrpSpPr>
+        <p:cNvPr id="1" name=""/>
+        <p:cNvGrpSpPr/>
+        <p:nvPr/>
+      </p:nvGrpSpPr>
+      <p:grpSpPr>
+        <a:xfrm>
+          <a:off x="0" y="0"/>
+          <a:ext cx="0" cy="0"/>
+          <a:chOff x="0" y="0"/>
+          <a:chExt cx="0" cy="0"/>
+        </a:xfrm>
+      </p:grpSpPr>
+      <p:sp>
+        <p:nvSpPr>
+          <p:cNvPr id="4" name="Oval 3"/>
+          <p:cNvSpPr/>
+          <p:nvPr/>
+        </p:nvSpPr>
+        <p:spPr>
+          <a:xfrm>
+            <a:off x="236764" y="2881993"/>
+            <a:ext cx="1338943" cy="1281793"/>
+          </a:xfrm>
+          <a:prstGeom prst="ellipse">
+            <a:avLst/>
+          </a:prstGeom>
+        </p:spPr>
+        <p:style>
+          <a:lnRef idx="2">
+            <a:schemeClr val="accent1">
+              <a:shade val="50000"/>
+            </a:schemeClr>
+          </a:lnRef>
+          <a:fillRef idx="1">
+            <a:schemeClr val="accent1"/>
+          </a:fillRef>
+          <a:effectRef idx="0">
+            <a:schemeClr val="accent1"/>
+          </a:effectRef>
+          <a:fontRef idx="minor">
+            <a:schemeClr val="lt1"/>
+          </a:fontRef>
+        </p:style>
+        <p:txBody>
+          <a:bodyPr rtlCol="0" anchor="ctr"/>
+          <a:lstStyle/>
+          <a:p>
+            <a:pPr algn="ctr"/>
+            <a:r>
+              <a:rPr lang="en-US" dirty="0" err="1" smtClean="0"/>
+              <a:t>D’lper</a:t>
+            </a:r>
+            <a:endParaRPr lang="en-US" dirty="0"/>
+          </a:p>
+        </p:txBody>
+      </p:sp>
+      <p:sp>
+        <p:nvSpPr>
+          <p:cNvPr id="5" name="Rectangle 4"/>
+          <p:cNvSpPr/>
+          <p:nvPr/>
+        </p:nvSpPr>
+        <p:spPr>
+          <a:xfrm>
+            <a:off x="2016579" y="2939143"/>
+            <a:ext cx="791935" cy="1289957"/>
+          </a:xfrm>
+          <a:prstGeom prst="rect">
+            <a:avLst/>
+          </a:prstGeom>
+        </p:spPr>
+        <p:style>
+          <a:lnRef idx="2">
+            <a:schemeClr val="accent1">
+              <a:shade val="50000"/>
+            </a:schemeClr>
+          </a:lnRef>
+          <a:fillRef idx="1">
+            <a:schemeClr val="accent1"/>
+          </a:fillRef>
+          <a:effectRef idx="0">
+            <a:schemeClr val="accent1"/>
+          </a:effectRef>
+          <a:fontRef idx="minor">
+            <a:schemeClr val="lt1"/>
+          </a:fontRef>
+        </p:style>
+        <p:txBody>
+          <a:bodyPr rtlCol="0" anchor="ctr"/>
+          <a:lstStyle/>
+          <a:p>
+            <a:pPr algn="ctr"/>
+            <a:r>
+              <a:rPr lang="en-US" dirty="0" err="1" smtClean="0"/>
+              <a:t>GitLab</a:t>
+            </a:r>
+            <a:endParaRPr lang="en-US" dirty="0"/>
+          </a:p>
+        </p:txBody>
+      </p:sp>
+      <p:sp>
+        <p:nvSpPr>
+          <p:cNvPr id="6" name="Rectangle 5"/>
+          <p:cNvSpPr/>
+          <p:nvPr/>
+        </p:nvSpPr>
+        <p:spPr>
+          <a:xfrm>
+            <a:off x="3257550" y="2604407"/>
+            <a:ext cx="4196443" cy="628650"/>
+          </a:xfrm>
+          <a:prstGeom prst="rect">
+            <a:avLst/>
+          </a:prstGeom>
+        </p:spPr>
+        <p:style>
+          <a:lnRef idx="2">
+            <a:schemeClr val="accent1">
+              <a:shade val="50000"/>
+            </a:schemeClr>
+          </a:lnRef>
+          <a:fillRef idx="1">
+            <a:schemeClr val="accent1"/>
+          </a:fillRef>
+          <a:effectRef idx="0">
+            <a:schemeClr val="accent1"/>
+          </a:effectRef>
+          <a:fontRef idx="minor">
+            <a:schemeClr val="lt1"/>
+          </a:fontRef>
+        </p:style>
+        <p:txBody>
+          <a:bodyPr rtlCol="0" anchor="ctr"/>
+          <a:lstStyle/>
+          <a:p>
+            <a:pPr algn="ctr"/>
+            <a:r>
+              <a:rPr lang="en-US" dirty="0" smtClean="0"/>
+              <a:t>Jenkins</a:t>
+            </a:r>
+            <a:endParaRPr lang="en-US" dirty="0"/>
+          </a:p>
+        </p:txBody>
+      </p:sp>
+      <p:sp>
+        <p:nvSpPr>
+          <p:cNvPr id="7" name="Rectangle 6"/>
+          <p:cNvSpPr/>
+          <p:nvPr/>
+        </p:nvSpPr>
+        <p:spPr>
+          <a:xfrm>
+            <a:off x="3377293" y="1148443"/>
+            <a:ext cx="1088571" cy="1289957"/>
+          </a:xfrm>
+          <a:prstGeom prst="rect">
+            <a:avLst/>
+          </a:prstGeom>
+        </p:spPr>
+        <p:style>
+          <a:lnRef idx="2">
+            <a:schemeClr val="accent1">
+              <a:shade val="50000"/>
+            </a:schemeClr>
+          </a:lnRef>
+          <a:fillRef idx="1">
+            <a:schemeClr val="accent1"/>
+          </a:fillRef>
+          <a:effectRef idx="0">
+            <a:schemeClr val="accent1"/>
+          </a:effectRef>
+          <a:fontRef idx="minor">
+            <a:schemeClr val="lt1"/>
+          </a:fontRef>
+        </p:style>
+        <p:txBody>
+          <a:bodyPr rtlCol="0" anchor="ctr"/>
+          <a:lstStyle/>
+          <a:p>
+            <a:pPr algn="ctr"/>
+            <a:r>
+              <a:rPr lang="en-US" dirty="0" smtClean="0"/>
+              <a:t>Package</a:t>
+            </a:r>
+            <a:endParaRPr lang="en-US" dirty="0"/>
+          </a:p>
+        </p:txBody>
+      </p:sp>
+      <p:sp>
+        <p:nvSpPr>
+          <p:cNvPr id="8" name="Rectangle 7"/>
+          <p:cNvSpPr/>
+          <p:nvPr/>
+        </p:nvSpPr>
+        <p:spPr>
+          <a:xfrm>
+            <a:off x="7268937" y="1148443"/>
+            <a:ext cx="1088571" cy="1289957"/>
+          </a:xfrm>
+          <a:prstGeom prst="rect">
+            <a:avLst/>
+          </a:prstGeom>
+        </p:spPr>
+        <p:style>
+          <a:lnRef idx="2">
+            <a:schemeClr val="accent1">
+              <a:shade val="50000"/>
+            </a:schemeClr>
+          </a:lnRef>
+          <a:fillRef idx="1">
+            <a:schemeClr val="accent1"/>
+          </a:fillRef>
+          <a:effectRef idx="0">
+            <a:schemeClr val="accent1"/>
+          </a:effectRef>
+          <a:fontRef idx="minor">
+            <a:schemeClr val="lt1"/>
+          </a:fontRef>
+        </p:style>
+        <p:txBody>
+          <a:bodyPr rtlCol="0" anchor="ctr"/>
+          <a:lstStyle/>
+          <a:p>
+            <a:pPr algn="ctr"/>
+            <a:r>
+              <a:rPr lang="en-US" dirty="0" smtClean="0"/>
+              <a:t>Nexus</a:t>
+            </a:r>
+            <a:endParaRPr lang="en-US" dirty="0"/>
+          </a:p>
+        </p:txBody>
+      </p:sp>
+      <p:sp>
+        <p:nvSpPr>
+          <p:cNvPr id="9" name="Rectangle 8"/>
+          <p:cNvSpPr/>
+          <p:nvPr/>
+        </p:nvSpPr>
+        <p:spPr>
+          <a:xfrm>
+            <a:off x="7396843" y="3522889"/>
+            <a:ext cx="4376057" cy="2632982"/>
+          </a:xfrm>
+          <a:prstGeom prst="rect">
+            <a:avLst/>
+          </a:prstGeom>
+        </p:spPr>
+        <p:style>
+          <a:lnRef idx="2">
+            <a:schemeClr val="accent1">
+              <a:shade val="50000"/>
+            </a:schemeClr>
+          </a:lnRef>
+          <a:fillRef idx="1">
+            <a:schemeClr val="accent1"/>
+          </a:fillRef>
+          <a:effectRef idx="0">
+            <a:schemeClr val="accent1"/>
+          </a:effectRef>
+          <a:fontRef idx="minor">
+            <a:schemeClr val="lt1"/>
+          </a:fontRef>
+        </p:style>
+        <p:txBody>
+          <a:bodyPr rtlCol="0" anchor="ctr"/>
+          <a:lstStyle/>
+          <a:p>
+            <a:pPr algn="ctr"/>
+            <a:r>
+              <a:rPr lang="en-US" dirty="0" smtClean="0"/>
+              <a:t>PROD</a:t>
+            </a:r>
+            <a:endParaRPr lang="en-US" dirty="0"/>
+          </a:p>
+        </p:txBody>
+      </p:sp>
+      <p:sp>
+        <p:nvSpPr>
+          <p:cNvPr id="12" name="Rectangle 11"/>
+          <p:cNvSpPr/>
+          <p:nvPr/>
+        </p:nvSpPr>
+        <p:spPr>
+          <a:xfrm>
+            <a:off x="5086350" y="3584121"/>
+            <a:ext cx="2182587" cy="644979"/>
+          </a:xfrm>
+          <a:prstGeom prst="rect">
+            <a:avLst/>
+          </a:prstGeom>
+        </p:spPr>
+        <p:style>
+          <a:lnRef idx="2">
+            <a:schemeClr val="accent1">
+              <a:shade val="50000"/>
+            </a:schemeClr>
+          </a:lnRef>
+          <a:fillRef idx="1">
+            <a:schemeClr val="accent1"/>
+          </a:fillRef>
+          <a:effectRef idx="0">
+            <a:schemeClr val="accent1"/>
+          </a:effectRef>
+          <a:fontRef idx="minor">
+            <a:schemeClr val="lt1"/>
+          </a:fontRef>
+        </p:style>
+        <p:txBody>
+          <a:bodyPr rtlCol="0" anchor="ctr"/>
+          <a:lstStyle/>
+          <a:p>
+            <a:pPr algn="ctr"/>
+            <a:r>
+              <a:rPr lang="en-US" dirty="0" smtClean="0"/>
+              <a:t>ANSIBLE</a:t>
+            </a:r>
+            <a:endParaRPr lang="en-US" dirty="0"/>
+          </a:p>
+        </p:txBody>
+      </p:sp>
+      <p:cxnSp>
+        <p:nvCxnSpPr>
+          <p:cNvPr id="14" name="Elbow Connector 13"/>
+          <p:cNvCxnSpPr/>
+          <p:nvPr/>
+        </p:nvCxnSpPr>
+        <p:spPr>
+          <a:xfrm>
+            <a:off x="6183993" y="2823029"/>
+            <a:ext cx="1719036" cy="1626507"/>
+          </a:xfrm>
+          <a:prstGeom prst="bentConnector3">
+            <a:avLst/>
+          </a:prstGeom>
+          <a:ln w="28575">
+            <a:solidFill>
+              <a:schemeClr val="tx1"/>
+            </a:solidFill>
+            <a:tailEnd type="triangle"/>
+          </a:ln>
+        </p:spPr>
+        <p:style>
+          <a:lnRef idx="1">
+            <a:schemeClr val="accent1"/>
+          </a:lnRef>
+          <a:fillRef idx="0">
+            <a:schemeClr val="accent1"/>
+          </a:fillRef>
+          <a:effectRef idx="0">
+            <a:schemeClr val="accent1"/>
+          </a:effectRef>
+          <a:fontRef idx="minor">
+            <a:schemeClr val="tx1"/>
+          </a:fontRef>
+        </p:style>
+      </p:cxnSp>
+      <p:cxnSp>
+        <p:nvCxnSpPr>
+          <p:cNvPr id="17" name="Straight Arrow Connector 16"/>
+          <p:cNvCxnSpPr/>
+          <p:nvPr/>
+        </p:nvCxnSpPr>
+        <p:spPr>
+          <a:xfrm flipV="1">
+            <a:off x="1338943" y="3298371"/>
+            <a:ext cx="906236" cy="224518"/>
+          </a:xfrm>
+          <a:prstGeom prst="straightConnector1">
+            <a:avLst/>
+          </a:prstGeom>
+          <a:ln w="28575">
+            <a:solidFill>
+              <a:schemeClr val="tx1"/>
+            </a:solidFill>
+            <a:tailEnd type="triangle"/>
+          </a:ln>
+        </p:spPr>
+        <p:style>
+          <a:lnRef idx="1">
+            <a:schemeClr val="accent1"/>
+          </a:lnRef>
+          <a:fillRef idx="0">
+            <a:schemeClr val="accent1"/>
+          </a:fillRef>
+          <a:effectRef idx="0">
+            <a:schemeClr val="accent1"/>
+          </a:effectRef>
+          <a:fontRef idx="minor">
+            <a:schemeClr val="tx1"/>
+          </a:fontRef>
+        </p:style>
+      </p:cxnSp>
+      <p:cxnSp>
+        <p:nvCxnSpPr>
+          <p:cNvPr id="18" name="Straight Arrow Connector 17"/>
+          <p:cNvCxnSpPr/>
+          <p:nvPr/>
+        </p:nvCxnSpPr>
+        <p:spPr>
+          <a:xfrm flipV="1">
+            <a:off x="2588078" y="3000374"/>
+            <a:ext cx="906236" cy="224518"/>
+          </a:xfrm>
+          <a:prstGeom prst="straightConnector1">
+            <a:avLst/>
+          </a:prstGeom>
+          <a:ln w="28575">
+            <a:solidFill>
+              <a:schemeClr val="tx1"/>
+            </a:solidFill>
+            <a:tailEnd type="triangle"/>
+          </a:ln>
+        </p:spPr>
+        <p:style>
+          <a:lnRef idx="1">
+            <a:schemeClr val="accent1"/>
+          </a:lnRef>
+          <a:fillRef idx="0">
+            <a:schemeClr val="accent1"/>
+          </a:fillRef>
+          <a:effectRef idx="0">
+            <a:schemeClr val="accent1"/>
+          </a:effectRef>
+          <a:fontRef idx="minor">
+            <a:schemeClr val="tx1"/>
+          </a:fontRef>
+        </p:style>
+      </p:cxnSp>
+      <p:cxnSp>
+        <p:nvCxnSpPr>
+          <p:cNvPr id="19" name="Straight Arrow Connector 18"/>
+          <p:cNvCxnSpPr/>
+          <p:nvPr/>
+        </p:nvCxnSpPr>
+        <p:spPr>
+          <a:xfrm flipH="1" flipV="1">
+            <a:off x="3804557" y="2073729"/>
+            <a:ext cx="7711" cy="808264"/>
+          </a:xfrm>
+          <a:prstGeom prst="straightConnector1">
+            <a:avLst/>
+          </a:prstGeom>
+          <a:ln w="28575">
+            <a:solidFill>
+              <a:schemeClr val="tx1"/>
+            </a:solidFill>
+            <a:tailEnd type="triangle"/>
+          </a:ln>
+        </p:spPr>
+        <p:style>
+          <a:lnRef idx="1">
+            <a:schemeClr val="accent1"/>
+          </a:lnRef>
+          <a:fillRef idx="0">
+            <a:schemeClr val="accent1"/>
+          </a:fillRef>
+          <a:effectRef idx="0">
+            <a:schemeClr val="accent1"/>
+          </a:effectRef>
+          <a:fontRef idx="minor">
+            <a:schemeClr val="tx1"/>
+          </a:fontRef>
+        </p:style>
+      </p:cxnSp>
+      <p:cxnSp>
+        <p:nvCxnSpPr>
+          <p:cNvPr id="21" name="Straight Arrow Connector 20"/>
+          <p:cNvCxnSpPr/>
+          <p:nvPr/>
+        </p:nvCxnSpPr>
+        <p:spPr>
+          <a:xfrm flipV="1">
+            <a:off x="4315733" y="1641021"/>
+            <a:ext cx="3244396" cy="25854"/>
+          </a:xfrm>
+          <a:prstGeom prst="straightConnector1">
+            <a:avLst/>
+          </a:prstGeom>
+          <a:ln w="28575">
+            <a:solidFill>
+              <a:schemeClr val="tx1"/>
+            </a:solidFill>
+            <a:tailEnd type="triangle"/>
+          </a:ln>
+        </p:spPr>
+        <p:style>
+          <a:lnRef idx="1">
+            <a:schemeClr val="accent1"/>
+          </a:lnRef>
+          <a:fillRef idx="0">
+            <a:schemeClr val="accent1"/>
+          </a:fillRef>
+          <a:effectRef idx="0">
+            <a:schemeClr val="accent1"/>
+          </a:effectRef>
+          <a:fontRef idx="minor">
+            <a:schemeClr val="tx1"/>
+          </a:fontRef>
+        </p:style>
+      </p:cxnSp>
+      <p:cxnSp>
+        <p:nvCxnSpPr>
+          <p:cNvPr id="24" name="Straight Arrow Connector 23"/>
+          <p:cNvCxnSpPr/>
+          <p:nvPr/>
+        </p:nvCxnSpPr>
+        <p:spPr>
+          <a:xfrm>
+            <a:off x="7813222" y="2073729"/>
+            <a:ext cx="1902278" cy="2090057"/>
+          </a:xfrm>
+          <a:prstGeom prst="straightConnector1">
+            <a:avLst/>
+          </a:prstGeom>
+          <a:ln w="19050">
+            <a:solidFill>
+              <a:schemeClr val="accent2"/>
+            </a:solidFill>
+            <a:prstDash val="dash"/>
+            <a:tailEnd type="triangle"/>
+          </a:ln>
+        </p:spPr>
+        <p:style>
+          <a:lnRef idx="1">
+            <a:schemeClr val="accent1"/>
+          </a:lnRef>
+          <a:fillRef idx="0">
+            <a:schemeClr val="accent1"/>
+          </a:fillRef>
+          <a:effectRef idx="0">
+            <a:schemeClr val="accent1"/>
+          </a:effectRef>
+          <a:fontRef idx="minor">
+            <a:schemeClr val="tx1"/>
+          </a:fontRef>
+        </p:style>
+      </p:cxnSp>
+      <p:sp>
+        <p:nvSpPr>
+          <p:cNvPr id="25" name="TextBox 24"/>
+          <p:cNvSpPr txBox="1"/>
+          <p:nvPr/>
+        </p:nvSpPr>
+        <p:spPr>
+          <a:xfrm>
+            <a:off x="5257026" y="4464833"/>
+            <a:ext cx="2163926" cy="369332"/>
+          </a:xfrm>
+          <a:prstGeom prst="rect">
+            <a:avLst/>
+          </a:prstGeom>
+          <a:noFill/>
+        </p:spPr>
+        <p:txBody>
+          <a:bodyPr wrap="none" rtlCol="0">
+            <a:spAutoFit/>
+          </a:bodyPr>
+          <a:lstStyle/>
+          <a:p>
+            <a:r>
+              <a:rPr lang="en-US" b="1" dirty="0" smtClean="0"/>
+              <a:t>Change Request (CR)</a:t>
+            </a:r>
+            <a:endParaRPr lang="en-US" b="1" dirty="0"/>
+          </a:p>
+        </p:txBody>
+      </p:sp>
+      <p:sp>
+        <p:nvSpPr>
+          <p:cNvPr id="26" name="TextBox 25"/>
+          <p:cNvSpPr txBox="1"/>
+          <p:nvPr/>
+        </p:nvSpPr>
+        <p:spPr>
+          <a:xfrm>
+            <a:off x="4187117" y="134649"/>
+            <a:ext cx="2005421" cy="369332"/>
+          </a:xfrm>
+          <a:prstGeom prst="rect">
+            <a:avLst/>
+          </a:prstGeom>
+          <a:noFill/>
+        </p:spPr>
+        <p:txBody>
+          <a:bodyPr wrap="none" rtlCol="0">
+            <a:spAutoFit/>
+          </a:bodyPr>
+          <a:lstStyle/>
+          <a:p>
+            <a:r>
+              <a:rPr lang="en-US" dirty="0" smtClean="0"/>
+              <a:t>PROD Work - FLOW</a:t>
+            </a:r>
+            <a:endParaRPr lang="en-US" dirty="0"/>
+          </a:p>
+        </p:txBody>
+      </p:sp>
+    </p:spTree>
+    <p:extLst>
+      <p:ext uri="{BB962C8B-B14F-4D97-AF65-F5344CB8AC3E}">
+        <p14:creationId xmlns:p14="http://schemas.microsoft.com/office/powerpoint/2010/main" val="2751502619"/>
       </p:ext>
     </p:extLst>
   </p:cSld>

--- a/batch25-project.pptx
+++ b/batch25-project.pptx
@@ -10,6 +10,8 @@
     <p:sldId id="258" r:id="rId4"/>
     <p:sldId id="259" r:id="rId5"/>
     <p:sldId id="260" r:id="rId6"/>
+    <p:sldId id="261" r:id="rId7"/>
+    <p:sldId id="262" r:id="rId8"/>
   </p:sldIdLst>
   <p:sldSz cx="12192000" cy="6858000"/>
   <p:notesSz cx="6858000" cy="9144000"/>
@@ -247,7 +249,7 @@
           <a:p>
             <a:fld id="{44B0BF6E-BFAB-48E6-8DB1-1D8ABD5FADF1}" type="datetimeFigureOut">
               <a:rPr lang="en-US" smtClean="0"/>
-              <a:t>2/27/2018</a:t>
+              <a:t>3/5/2018</a:t>
             </a:fld>
             <a:endParaRPr lang="en-US"/>
           </a:p>
@@ -417,7 +419,7 @@
           <a:p>
             <a:fld id="{44B0BF6E-BFAB-48E6-8DB1-1D8ABD5FADF1}" type="datetimeFigureOut">
               <a:rPr lang="en-US" smtClean="0"/>
-              <a:t>2/27/2018</a:t>
+              <a:t>3/5/2018</a:t>
             </a:fld>
             <a:endParaRPr lang="en-US"/>
           </a:p>
@@ -597,7 +599,7 @@
           <a:p>
             <a:fld id="{44B0BF6E-BFAB-48E6-8DB1-1D8ABD5FADF1}" type="datetimeFigureOut">
               <a:rPr lang="en-US" smtClean="0"/>
-              <a:t>2/27/2018</a:t>
+              <a:t>3/5/2018</a:t>
             </a:fld>
             <a:endParaRPr lang="en-US"/>
           </a:p>
@@ -767,7 +769,7 @@
           <a:p>
             <a:fld id="{44B0BF6E-BFAB-48E6-8DB1-1D8ABD5FADF1}" type="datetimeFigureOut">
               <a:rPr lang="en-US" smtClean="0"/>
-              <a:t>2/27/2018</a:t>
+              <a:t>3/5/2018</a:t>
             </a:fld>
             <a:endParaRPr lang="en-US"/>
           </a:p>
@@ -1013,7 +1015,7 @@
           <a:p>
             <a:fld id="{44B0BF6E-BFAB-48E6-8DB1-1D8ABD5FADF1}" type="datetimeFigureOut">
               <a:rPr lang="en-US" smtClean="0"/>
-              <a:t>2/27/2018</a:t>
+              <a:t>3/5/2018</a:t>
             </a:fld>
             <a:endParaRPr lang="en-US"/>
           </a:p>
@@ -1245,7 +1247,7 @@
           <a:p>
             <a:fld id="{44B0BF6E-BFAB-48E6-8DB1-1D8ABD5FADF1}" type="datetimeFigureOut">
               <a:rPr lang="en-US" smtClean="0"/>
-              <a:t>2/27/2018</a:t>
+              <a:t>3/5/2018</a:t>
             </a:fld>
             <a:endParaRPr lang="en-US"/>
           </a:p>
@@ -1612,7 +1614,7 @@
           <a:p>
             <a:fld id="{44B0BF6E-BFAB-48E6-8DB1-1D8ABD5FADF1}" type="datetimeFigureOut">
               <a:rPr lang="en-US" smtClean="0"/>
-              <a:t>2/27/2018</a:t>
+              <a:t>3/5/2018</a:t>
             </a:fld>
             <a:endParaRPr lang="en-US"/>
           </a:p>
@@ -1730,7 +1732,7 @@
           <a:p>
             <a:fld id="{44B0BF6E-BFAB-48E6-8DB1-1D8ABD5FADF1}" type="datetimeFigureOut">
               <a:rPr lang="en-US" smtClean="0"/>
-              <a:t>2/27/2018</a:t>
+              <a:t>3/5/2018</a:t>
             </a:fld>
             <a:endParaRPr lang="en-US"/>
           </a:p>
@@ -1825,7 +1827,7 @@
           <a:p>
             <a:fld id="{44B0BF6E-BFAB-48E6-8DB1-1D8ABD5FADF1}" type="datetimeFigureOut">
               <a:rPr lang="en-US" smtClean="0"/>
-              <a:t>2/27/2018</a:t>
+              <a:t>3/5/2018</a:t>
             </a:fld>
             <a:endParaRPr lang="en-US"/>
           </a:p>
@@ -2102,7 +2104,7 @@
           <a:p>
             <a:fld id="{44B0BF6E-BFAB-48E6-8DB1-1D8ABD5FADF1}" type="datetimeFigureOut">
               <a:rPr lang="en-US" smtClean="0"/>
-              <a:t>2/27/2018</a:t>
+              <a:t>3/5/2018</a:t>
             </a:fld>
             <a:endParaRPr lang="en-US"/>
           </a:p>
@@ -2355,7 +2357,7 @@
           <a:p>
             <a:fld id="{44B0BF6E-BFAB-48E6-8DB1-1D8ABD5FADF1}" type="datetimeFigureOut">
               <a:rPr lang="en-US" smtClean="0"/>
-              <a:t>2/27/2018</a:t>
+              <a:t>3/5/2018</a:t>
             </a:fld>
             <a:endParaRPr lang="en-US"/>
           </a:p>
@@ -2568,7 +2570,7 @@
           <a:p>
             <a:fld id="{44B0BF6E-BFAB-48E6-8DB1-1D8ABD5FADF1}" type="datetimeFigureOut">
               <a:rPr lang="en-US" smtClean="0"/>
-              <a:t>2/27/2018</a:t>
+              <a:t>3/5/2018</a:t>
             </a:fld>
             <a:endParaRPr lang="en-US"/>
           </a:p>
@@ -6638,6 +6640,190 @@
 </p:sld>
 </file>
 
+<file path=ppt/slides/slide6.xml><?xml version="1.0" encoding="utf-8"?>
+<p:sld xmlns:a="http://schemas.openxmlformats.org/drawingml/2006/main" xmlns:r="http://schemas.openxmlformats.org/officeDocument/2006/relationships" xmlns:p="http://schemas.openxmlformats.org/presentationml/2006/main">
+  <p:cSld>
+    <p:spTree>
+      <p:nvGrpSpPr>
+        <p:cNvPr id="1" name=""/>
+        <p:cNvGrpSpPr/>
+        <p:nvPr/>
+      </p:nvGrpSpPr>
+      <p:grpSpPr>
+        <a:xfrm>
+          <a:off x="0" y="0"/>
+          <a:ext cx="0" cy="0"/>
+          <a:chOff x="0" y="0"/>
+          <a:chExt cx="0" cy="0"/>
+        </a:xfrm>
+      </p:grpSpPr>
+      <p:sp>
+        <p:nvSpPr>
+          <p:cNvPr id="2" name="Title 1"/>
+          <p:cNvSpPr>
+            <a:spLocks noGrp="1"/>
+          </p:cNvSpPr>
+          <p:nvPr>
+            <p:ph type="title"/>
+          </p:nvPr>
+        </p:nvSpPr>
+        <p:spPr/>
+        <p:txBody>
+          <a:bodyPr/>
+          <a:lstStyle/>
+          <a:p>
+            <a:endParaRPr lang="en-US"/>
+          </a:p>
+        </p:txBody>
+      </p:sp>
+      <p:sp>
+        <p:nvSpPr>
+          <p:cNvPr id="3" name="Content Placeholder 2"/>
+          <p:cNvSpPr>
+            <a:spLocks noGrp="1"/>
+          </p:cNvSpPr>
+          <p:nvPr>
+            <p:ph idx="1"/>
+          </p:nvPr>
+        </p:nvSpPr>
+        <p:spPr/>
+        <p:txBody>
+          <a:bodyPr/>
+          <a:lstStyle/>
+          <a:p>
+            <a:endParaRPr lang="en-US"/>
+          </a:p>
+        </p:txBody>
+      </p:sp>
+      <p:pic>
+        <p:nvPicPr>
+          <p:cNvPr id="4" name="Picture 3"/>
+          <p:cNvPicPr>
+            <a:picLocks noChangeAspect="1"/>
+          </p:cNvPicPr>
+          <p:nvPr/>
+        </p:nvPicPr>
+        <p:blipFill>
+          <a:blip r:embed="rId2"/>
+          <a:stretch>
+            <a:fillRect/>
+          </a:stretch>
+        </p:blipFill>
+        <p:spPr>
+          <a:xfrm>
+            <a:off x="359806" y="495771"/>
+            <a:ext cx="11483812" cy="5257329"/>
+          </a:xfrm>
+          <a:prstGeom prst="rect">
+            <a:avLst/>
+          </a:prstGeom>
+        </p:spPr>
+      </p:pic>
+    </p:spTree>
+    <p:extLst>
+      <p:ext uri="{BB962C8B-B14F-4D97-AF65-F5344CB8AC3E}">
+        <p14:creationId xmlns:p14="http://schemas.microsoft.com/office/powerpoint/2010/main" val="115197039"/>
+      </p:ext>
+    </p:extLst>
+  </p:cSld>
+  <p:clrMapOvr>
+    <a:masterClrMapping/>
+  </p:clrMapOvr>
+</p:sld>
+</file>
+
+<file path=ppt/slides/slide7.xml><?xml version="1.0" encoding="utf-8"?>
+<p:sld xmlns:a="http://schemas.openxmlformats.org/drawingml/2006/main" xmlns:r="http://schemas.openxmlformats.org/officeDocument/2006/relationships" xmlns:p="http://schemas.openxmlformats.org/presentationml/2006/main">
+  <p:cSld>
+    <p:spTree>
+      <p:nvGrpSpPr>
+        <p:cNvPr id="1" name=""/>
+        <p:cNvGrpSpPr/>
+        <p:nvPr/>
+      </p:nvGrpSpPr>
+      <p:grpSpPr>
+        <a:xfrm>
+          <a:off x="0" y="0"/>
+          <a:ext cx="0" cy="0"/>
+          <a:chOff x="0" y="0"/>
+          <a:chExt cx="0" cy="0"/>
+        </a:xfrm>
+      </p:grpSpPr>
+      <p:sp>
+        <p:nvSpPr>
+          <p:cNvPr id="2" name="Title 1"/>
+          <p:cNvSpPr>
+            <a:spLocks noGrp="1"/>
+          </p:cNvSpPr>
+          <p:nvPr>
+            <p:ph type="title"/>
+          </p:nvPr>
+        </p:nvSpPr>
+        <p:spPr/>
+        <p:txBody>
+          <a:bodyPr/>
+          <a:lstStyle/>
+          <a:p>
+            <a:endParaRPr lang="en-US"/>
+          </a:p>
+        </p:txBody>
+      </p:sp>
+      <p:sp>
+        <p:nvSpPr>
+          <p:cNvPr id="3" name="Content Placeholder 2"/>
+          <p:cNvSpPr>
+            <a:spLocks noGrp="1"/>
+          </p:cNvSpPr>
+          <p:nvPr>
+            <p:ph idx="1"/>
+          </p:nvPr>
+        </p:nvSpPr>
+        <p:spPr/>
+        <p:txBody>
+          <a:bodyPr/>
+          <a:lstStyle/>
+          <a:p>
+            <a:endParaRPr lang="en-US"/>
+          </a:p>
+        </p:txBody>
+      </p:sp>
+      <p:pic>
+        <p:nvPicPr>
+          <p:cNvPr id="4" name="Picture 3"/>
+          <p:cNvPicPr>
+            <a:picLocks noChangeAspect="1"/>
+          </p:cNvPicPr>
+          <p:nvPr/>
+        </p:nvPicPr>
+        <p:blipFill>
+          <a:blip r:embed="rId2"/>
+          <a:stretch>
+            <a:fillRect/>
+          </a:stretch>
+        </p:blipFill>
+        <p:spPr>
+          <a:xfrm>
+            <a:off x="412033" y="151314"/>
+            <a:ext cx="10941767" cy="6304791"/>
+          </a:xfrm>
+          <a:prstGeom prst="rect">
+            <a:avLst/>
+          </a:prstGeom>
+        </p:spPr>
+      </p:pic>
+    </p:spTree>
+    <p:extLst>
+      <p:ext uri="{BB962C8B-B14F-4D97-AF65-F5344CB8AC3E}">
+        <p14:creationId xmlns:p14="http://schemas.microsoft.com/office/powerpoint/2010/main" val="1093999383"/>
+      </p:ext>
+    </p:extLst>
+  </p:cSld>
+  <p:clrMapOvr>
+    <a:masterClrMapping/>
+  </p:clrMapOvr>
+</p:sld>
+</file>
+
 <file path=ppt/theme/theme1.xml><?xml version="1.0" encoding="utf-8"?>
 <a:theme xmlns:a="http://schemas.openxmlformats.org/drawingml/2006/main" name="Office Theme">
   <a:themeElements>

--- a/batch25-project.pptx
+++ b/batch25-project.pptx
@@ -12,6 +12,9 @@
     <p:sldId id="260" r:id="rId6"/>
     <p:sldId id="261" r:id="rId7"/>
     <p:sldId id="262" r:id="rId8"/>
+    <p:sldId id="263" r:id="rId9"/>
+    <p:sldId id="264" r:id="rId10"/>
+    <p:sldId id="265" r:id="rId11"/>
   </p:sldIdLst>
   <p:sldSz cx="12192000" cy="6858000"/>
   <p:notesSz cx="6858000" cy="9144000"/>
@@ -160,10 +163,9 @@
           </a:lstStyle>
           <a:p>
             <a:r>
-              <a:rPr lang="en-US" smtClean="0"/>
+              <a:rPr lang="en-US"/>
               <a:t>Click to edit Master title style</a:t>
             </a:r>
-            <a:endParaRPr lang="en-US"/>
           </a:p>
         </p:txBody>
       </p:sp>
@@ -225,10 +227,9 @@
           </a:lstStyle>
           <a:p>
             <a:r>
-              <a:rPr lang="en-US" smtClean="0"/>
+              <a:rPr lang="en-US"/>
               <a:t>Click to edit Master subtitle style</a:t>
             </a:r>
-            <a:endParaRPr lang="en-US"/>
           </a:p>
         </p:txBody>
       </p:sp>
@@ -249,7 +250,7 @@
           <a:p>
             <a:fld id="{44B0BF6E-BFAB-48E6-8DB1-1D8ABD5FADF1}" type="datetimeFigureOut">
               <a:rPr lang="en-US" smtClean="0"/>
-              <a:t>3/5/2018</a:t>
+              <a:t>3/18/2018</a:t>
             </a:fld>
             <a:endParaRPr lang="en-US"/>
           </a:p>
@@ -343,10 +344,9 @@
           <a:lstStyle/>
           <a:p>
             <a:r>
-              <a:rPr lang="en-US" smtClean="0"/>
+              <a:rPr lang="en-US"/>
               <a:t>Click to edit Master title style</a:t>
             </a:r>
-            <a:endParaRPr lang="en-US"/>
           </a:p>
         </p:txBody>
       </p:sp>
@@ -367,38 +367,37 @@
           <a:p>
             <a:pPr lvl="0"/>
             <a:r>
-              <a:rPr lang="en-US" smtClean="0"/>
+              <a:rPr lang="en-US"/>
               <a:t>Edit Master text styles</a:t>
             </a:r>
           </a:p>
           <a:p>
             <a:pPr lvl="1"/>
             <a:r>
-              <a:rPr lang="en-US" smtClean="0"/>
+              <a:rPr lang="en-US"/>
               <a:t>Second level</a:t>
             </a:r>
           </a:p>
           <a:p>
             <a:pPr lvl="2"/>
             <a:r>
-              <a:rPr lang="en-US" smtClean="0"/>
+              <a:rPr lang="en-US"/>
               <a:t>Third level</a:t>
             </a:r>
           </a:p>
           <a:p>
             <a:pPr lvl="3"/>
             <a:r>
-              <a:rPr lang="en-US" smtClean="0"/>
+              <a:rPr lang="en-US"/>
               <a:t>Fourth level</a:t>
             </a:r>
           </a:p>
           <a:p>
             <a:pPr lvl="4"/>
             <a:r>
-              <a:rPr lang="en-US" smtClean="0"/>
+              <a:rPr lang="en-US"/>
               <a:t>Fifth level</a:t>
             </a:r>
-            <a:endParaRPr lang="en-US"/>
           </a:p>
         </p:txBody>
       </p:sp>
@@ -419,7 +418,7 @@
           <a:p>
             <a:fld id="{44B0BF6E-BFAB-48E6-8DB1-1D8ABD5FADF1}" type="datetimeFigureOut">
               <a:rPr lang="en-US" smtClean="0"/>
-              <a:t>3/5/2018</a:t>
+              <a:t>3/18/2018</a:t>
             </a:fld>
             <a:endParaRPr lang="en-US"/>
           </a:p>
@@ -518,10 +517,9 @@
           <a:lstStyle/>
           <a:p>
             <a:r>
-              <a:rPr lang="en-US" smtClean="0"/>
+              <a:rPr lang="en-US"/>
               <a:t>Click to edit Master title style</a:t>
             </a:r>
-            <a:endParaRPr lang="en-US"/>
           </a:p>
         </p:txBody>
       </p:sp>
@@ -547,38 +545,37 @@
           <a:p>
             <a:pPr lvl="0"/>
             <a:r>
-              <a:rPr lang="en-US" smtClean="0"/>
+              <a:rPr lang="en-US"/>
               <a:t>Edit Master text styles</a:t>
             </a:r>
           </a:p>
           <a:p>
             <a:pPr lvl="1"/>
             <a:r>
-              <a:rPr lang="en-US" smtClean="0"/>
+              <a:rPr lang="en-US"/>
               <a:t>Second level</a:t>
             </a:r>
           </a:p>
           <a:p>
             <a:pPr lvl="2"/>
             <a:r>
-              <a:rPr lang="en-US" smtClean="0"/>
+              <a:rPr lang="en-US"/>
               <a:t>Third level</a:t>
             </a:r>
           </a:p>
           <a:p>
             <a:pPr lvl="3"/>
             <a:r>
-              <a:rPr lang="en-US" smtClean="0"/>
+              <a:rPr lang="en-US"/>
               <a:t>Fourth level</a:t>
             </a:r>
           </a:p>
           <a:p>
             <a:pPr lvl="4"/>
             <a:r>
-              <a:rPr lang="en-US" smtClean="0"/>
+              <a:rPr lang="en-US"/>
               <a:t>Fifth level</a:t>
             </a:r>
-            <a:endParaRPr lang="en-US"/>
           </a:p>
         </p:txBody>
       </p:sp>
@@ -599,7 +596,7 @@
           <a:p>
             <a:fld id="{44B0BF6E-BFAB-48E6-8DB1-1D8ABD5FADF1}" type="datetimeFigureOut">
               <a:rPr lang="en-US" smtClean="0"/>
-              <a:t>3/5/2018</a:t>
+              <a:t>3/18/2018</a:t>
             </a:fld>
             <a:endParaRPr lang="en-US"/>
           </a:p>
@@ -693,10 +690,9 @@
           <a:lstStyle/>
           <a:p>
             <a:r>
-              <a:rPr lang="en-US" smtClean="0"/>
+              <a:rPr lang="en-US"/>
               <a:t>Click to edit Master title style</a:t>
             </a:r>
-            <a:endParaRPr lang="en-US"/>
           </a:p>
         </p:txBody>
       </p:sp>
@@ -717,38 +713,37 @@
           <a:p>
             <a:pPr lvl="0"/>
             <a:r>
-              <a:rPr lang="en-US" smtClean="0"/>
+              <a:rPr lang="en-US"/>
               <a:t>Edit Master text styles</a:t>
             </a:r>
           </a:p>
           <a:p>
             <a:pPr lvl="1"/>
             <a:r>
-              <a:rPr lang="en-US" smtClean="0"/>
+              <a:rPr lang="en-US"/>
               <a:t>Second level</a:t>
             </a:r>
           </a:p>
           <a:p>
             <a:pPr lvl="2"/>
             <a:r>
-              <a:rPr lang="en-US" smtClean="0"/>
+              <a:rPr lang="en-US"/>
               <a:t>Third level</a:t>
             </a:r>
           </a:p>
           <a:p>
             <a:pPr lvl="3"/>
             <a:r>
-              <a:rPr lang="en-US" smtClean="0"/>
+              <a:rPr lang="en-US"/>
               <a:t>Fourth level</a:t>
             </a:r>
           </a:p>
           <a:p>
             <a:pPr lvl="4"/>
             <a:r>
-              <a:rPr lang="en-US" smtClean="0"/>
+              <a:rPr lang="en-US"/>
               <a:t>Fifth level</a:t>
             </a:r>
-            <a:endParaRPr lang="en-US"/>
           </a:p>
         </p:txBody>
       </p:sp>
@@ -769,7 +764,7 @@
           <a:p>
             <a:fld id="{44B0BF6E-BFAB-48E6-8DB1-1D8ABD5FADF1}" type="datetimeFigureOut">
               <a:rPr lang="en-US" smtClean="0"/>
-              <a:t>3/5/2018</a:t>
+              <a:t>3/18/2018</a:t>
             </a:fld>
             <a:endParaRPr lang="en-US"/>
           </a:p>
@@ -872,10 +867,9 @@
           </a:lstStyle>
           <a:p>
             <a:r>
-              <a:rPr lang="en-US" smtClean="0"/>
+              <a:rPr lang="en-US"/>
               <a:t>Click to edit Master title style</a:t>
             </a:r>
-            <a:endParaRPr lang="en-US"/>
           </a:p>
         </p:txBody>
       </p:sp>
@@ -992,7 +986,7 @@
           <a:p>
             <a:pPr lvl="0"/>
             <a:r>
-              <a:rPr lang="en-US" smtClean="0"/>
+              <a:rPr lang="en-US"/>
               <a:t>Edit Master text styles</a:t>
             </a:r>
           </a:p>
@@ -1015,7 +1009,7 @@
           <a:p>
             <a:fld id="{44B0BF6E-BFAB-48E6-8DB1-1D8ABD5FADF1}" type="datetimeFigureOut">
               <a:rPr lang="en-US" smtClean="0"/>
-              <a:t>3/5/2018</a:t>
+              <a:t>3/18/2018</a:t>
             </a:fld>
             <a:endParaRPr lang="en-US"/>
           </a:p>
@@ -1109,10 +1103,9 @@
           <a:lstStyle/>
           <a:p>
             <a:r>
-              <a:rPr lang="en-US" smtClean="0"/>
+              <a:rPr lang="en-US"/>
               <a:t>Click to edit Master title style</a:t>
             </a:r>
-            <a:endParaRPr lang="en-US"/>
           </a:p>
         </p:txBody>
       </p:sp>
@@ -1138,38 +1131,37 @@
           <a:p>
             <a:pPr lvl="0"/>
             <a:r>
-              <a:rPr lang="en-US" smtClean="0"/>
+              <a:rPr lang="en-US"/>
               <a:t>Edit Master text styles</a:t>
             </a:r>
           </a:p>
           <a:p>
             <a:pPr lvl="1"/>
             <a:r>
-              <a:rPr lang="en-US" smtClean="0"/>
+              <a:rPr lang="en-US"/>
               <a:t>Second level</a:t>
             </a:r>
           </a:p>
           <a:p>
             <a:pPr lvl="2"/>
             <a:r>
-              <a:rPr lang="en-US" smtClean="0"/>
+              <a:rPr lang="en-US"/>
               <a:t>Third level</a:t>
             </a:r>
           </a:p>
           <a:p>
             <a:pPr lvl="3"/>
             <a:r>
-              <a:rPr lang="en-US" smtClean="0"/>
+              <a:rPr lang="en-US"/>
               <a:t>Fourth level</a:t>
             </a:r>
           </a:p>
           <a:p>
             <a:pPr lvl="4"/>
             <a:r>
-              <a:rPr lang="en-US" smtClean="0"/>
+              <a:rPr lang="en-US"/>
               <a:t>Fifth level</a:t>
             </a:r>
-            <a:endParaRPr lang="en-US"/>
           </a:p>
         </p:txBody>
       </p:sp>
@@ -1195,38 +1187,37 @@
           <a:p>
             <a:pPr lvl="0"/>
             <a:r>
-              <a:rPr lang="en-US" smtClean="0"/>
+              <a:rPr lang="en-US"/>
               <a:t>Edit Master text styles</a:t>
             </a:r>
           </a:p>
           <a:p>
             <a:pPr lvl="1"/>
             <a:r>
-              <a:rPr lang="en-US" smtClean="0"/>
+              <a:rPr lang="en-US"/>
               <a:t>Second level</a:t>
             </a:r>
           </a:p>
           <a:p>
             <a:pPr lvl="2"/>
             <a:r>
-              <a:rPr lang="en-US" smtClean="0"/>
+              <a:rPr lang="en-US"/>
               <a:t>Third level</a:t>
             </a:r>
           </a:p>
           <a:p>
             <a:pPr lvl="3"/>
             <a:r>
-              <a:rPr lang="en-US" smtClean="0"/>
+              <a:rPr lang="en-US"/>
               <a:t>Fourth level</a:t>
             </a:r>
           </a:p>
           <a:p>
             <a:pPr lvl="4"/>
             <a:r>
-              <a:rPr lang="en-US" smtClean="0"/>
+              <a:rPr lang="en-US"/>
               <a:t>Fifth level</a:t>
             </a:r>
-            <a:endParaRPr lang="en-US"/>
           </a:p>
         </p:txBody>
       </p:sp>
@@ -1247,7 +1238,7 @@
           <a:p>
             <a:fld id="{44B0BF6E-BFAB-48E6-8DB1-1D8ABD5FADF1}" type="datetimeFigureOut">
               <a:rPr lang="en-US" smtClean="0"/>
-              <a:t>3/5/2018</a:t>
+              <a:t>3/18/2018</a:t>
             </a:fld>
             <a:endParaRPr lang="en-US"/>
           </a:p>
@@ -1346,10 +1337,9 @@
           <a:lstStyle/>
           <a:p>
             <a:r>
-              <a:rPr lang="en-US" smtClean="0"/>
+              <a:rPr lang="en-US"/>
               <a:t>Click to edit Master title style</a:t>
             </a:r>
-            <a:endParaRPr lang="en-US"/>
           </a:p>
         </p:txBody>
       </p:sp>
@@ -1412,7 +1402,7 @@
           <a:p>
             <a:pPr lvl="0"/>
             <a:r>
-              <a:rPr lang="en-US" smtClean="0"/>
+              <a:rPr lang="en-US"/>
               <a:t>Edit Master text styles</a:t>
             </a:r>
           </a:p>
@@ -1440,38 +1430,37 @@
           <a:p>
             <a:pPr lvl="0"/>
             <a:r>
-              <a:rPr lang="en-US" smtClean="0"/>
+              <a:rPr lang="en-US"/>
               <a:t>Edit Master text styles</a:t>
             </a:r>
           </a:p>
           <a:p>
             <a:pPr lvl="1"/>
             <a:r>
-              <a:rPr lang="en-US" smtClean="0"/>
+              <a:rPr lang="en-US"/>
               <a:t>Second level</a:t>
             </a:r>
           </a:p>
           <a:p>
             <a:pPr lvl="2"/>
             <a:r>
-              <a:rPr lang="en-US" smtClean="0"/>
+              <a:rPr lang="en-US"/>
               <a:t>Third level</a:t>
             </a:r>
           </a:p>
           <a:p>
             <a:pPr lvl="3"/>
             <a:r>
-              <a:rPr lang="en-US" smtClean="0"/>
+              <a:rPr lang="en-US"/>
               <a:t>Fourth level</a:t>
             </a:r>
           </a:p>
           <a:p>
             <a:pPr lvl="4"/>
             <a:r>
-              <a:rPr lang="en-US" smtClean="0"/>
+              <a:rPr lang="en-US"/>
               <a:t>Fifth level</a:t>
             </a:r>
-            <a:endParaRPr lang="en-US"/>
           </a:p>
         </p:txBody>
       </p:sp>
@@ -1534,7 +1523,7 @@
           <a:p>
             <a:pPr lvl="0"/>
             <a:r>
-              <a:rPr lang="en-US" smtClean="0"/>
+              <a:rPr lang="en-US"/>
               <a:t>Edit Master text styles</a:t>
             </a:r>
           </a:p>
@@ -1562,38 +1551,37 @@
           <a:p>
             <a:pPr lvl="0"/>
             <a:r>
-              <a:rPr lang="en-US" smtClean="0"/>
+              <a:rPr lang="en-US"/>
               <a:t>Edit Master text styles</a:t>
             </a:r>
           </a:p>
           <a:p>
             <a:pPr lvl="1"/>
             <a:r>
-              <a:rPr lang="en-US" smtClean="0"/>
+              <a:rPr lang="en-US"/>
               <a:t>Second level</a:t>
             </a:r>
           </a:p>
           <a:p>
             <a:pPr lvl="2"/>
             <a:r>
-              <a:rPr lang="en-US" smtClean="0"/>
+              <a:rPr lang="en-US"/>
               <a:t>Third level</a:t>
             </a:r>
           </a:p>
           <a:p>
             <a:pPr lvl="3"/>
             <a:r>
-              <a:rPr lang="en-US" smtClean="0"/>
+              <a:rPr lang="en-US"/>
               <a:t>Fourth level</a:t>
             </a:r>
           </a:p>
           <a:p>
             <a:pPr lvl="4"/>
             <a:r>
-              <a:rPr lang="en-US" smtClean="0"/>
+              <a:rPr lang="en-US"/>
               <a:t>Fifth level</a:t>
             </a:r>
-            <a:endParaRPr lang="en-US"/>
           </a:p>
         </p:txBody>
       </p:sp>
@@ -1614,7 +1602,7 @@
           <a:p>
             <a:fld id="{44B0BF6E-BFAB-48E6-8DB1-1D8ABD5FADF1}" type="datetimeFigureOut">
               <a:rPr lang="en-US" smtClean="0"/>
-              <a:t>3/5/2018</a:t>
+              <a:t>3/18/2018</a:t>
             </a:fld>
             <a:endParaRPr lang="en-US"/>
           </a:p>
@@ -1708,10 +1696,9 @@
           <a:lstStyle/>
           <a:p>
             <a:r>
-              <a:rPr lang="en-US" smtClean="0"/>
+              <a:rPr lang="en-US"/>
               <a:t>Click to edit Master title style</a:t>
             </a:r>
-            <a:endParaRPr lang="en-US"/>
           </a:p>
         </p:txBody>
       </p:sp>
@@ -1732,7 +1719,7 @@
           <a:p>
             <a:fld id="{44B0BF6E-BFAB-48E6-8DB1-1D8ABD5FADF1}" type="datetimeFigureOut">
               <a:rPr lang="en-US" smtClean="0"/>
-              <a:t>3/5/2018</a:t>
+              <a:t>3/18/2018</a:t>
             </a:fld>
             <a:endParaRPr lang="en-US"/>
           </a:p>
@@ -1827,7 +1814,7 @@
           <a:p>
             <a:fld id="{44B0BF6E-BFAB-48E6-8DB1-1D8ABD5FADF1}" type="datetimeFigureOut">
               <a:rPr lang="en-US" smtClean="0"/>
-              <a:t>3/5/2018</a:t>
+              <a:t>3/18/2018</a:t>
             </a:fld>
             <a:endParaRPr lang="en-US"/>
           </a:p>
@@ -1930,10 +1917,9 @@
           </a:lstStyle>
           <a:p>
             <a:r>
-              <a:rPr lang="en-US" smtClean="0"/>
+              <a:rPr lang="en-US"/>
               <a:t>Click to edit Master title style</a:t>
             </a:r>
-            <a:endParaRPr lang="en-US"/>
           </a:p>
         </p:txBody>
       </p:sp>
@@ -1987,38 +1973,37 @@
           <a:p>
             <a:pPr lvl="0"/>
             <a:r>
-              <a:rPr lang="en-US" smtClean="0"/>
+              <a:rPr lang="en-US"/>
               <a:t>Edit Master text styles</a:t>
             </a:r>
           </a:p>
           <a:p>
             <a:pPr lvl="1"/>
             <a:r>
-              <a:rPr lang="en-US" smtClean="0"/>
+              <a:rPr lang="en-US"/>
               <a:t>Second level</a:t>
             </a:r>
           </a:p>
           <a:p>
             <a:pPr lvl="2"/>
             <a:r>
-              <a:rPr lang="en-US" smtClean="0"/>
+              <a:rPr lang="en-US"/>
               <a:t>Third level</a:t>
             </a:r>
           </a:p>
           <a:p>
             <a:pPr lvl="3"/>
             <a:r>
-              <a:rPr lang="en-US" smtClean="0"/>
+              <a:rPr lang="en-US"/>
               <a:t>Fourth level</a:t>
             </a:r>
           </a:p>
           <a:p>
             <a:pPr lvl="4"/>
             <a:r>
-              <a:rPr lang="en-US" smtClean="0"/>
+              <a:rPr lang="en-US"/>
               <a:t>Fifth level</a:t>
             </a:r>
-            <a:endParaRPr lang="en-US"/>
           </a:p>
         </p:txBody>
       </p:sp>
@@ -2081,7 +2066,7 @@
           <a:p>
             <a:pPr lvl="0"/>
             <a:r>
-              <a:rPr lang="en-US" smtClean="0"/>
+              <a:rPr lang="en-US"/>
               <a:t>Edit Master text styles</a:t>
             </a:r>
           </a:p>
@@ -2104,7 +2089,7 @@
           <a:p>
             <a:fld id="{44B0BF6E-BFAB-48E6-8DB1-1D8ABD5FADF1}" type="datetimeFigureOut">
               <a:rPr lang="en-US" smtClean="0"/>
-              <a:t>3/5/2018</a:t>
+              <a:t>3/18/2018</a:t>
             </a:fld>
             <a:endParaRPr lang="en-US"/>
           </a:p>
@@ -2207,10 +2192,9 @@
           </a:lstStyle>
           <a:p>
             <a:r>
-              <a:rPr lang="en-US" smtClean="0"/>
+              <a:rPr lang="en-US"/>
               <a:t>Click to edit Master title style</a:t>
             </a:r>
-            <a:endParaRPr lang="en-US"/>
           </a:p>
         </p:txBody>
       </p:sp>
@@ -2334,7 +2318,7 @@
           <a:p>
             <a:pPr lvl="0"/>
             <a:r>
-              <a:rPr lang="en-US" smtClean="0"/>
+              <a:rPr lang="en-US"/>
               <a:t>Edit Master text styles</a:t>
             </a:r>
           </a:p>
@@ -2357,7 +2341,7 @@
           <a:p>
             <a:fld id="{44B0BF6E-BFAB-48E6-8DB1-1D8ABD5FADF1}" type="datetimeFigureOut">
               <a:rPr lang="en-US" smtClean="0"/>
-              <a:t>3/5/2018</a:t>
+              <a:t>3/18/2018</a:t>
             </a:fld>
             <a:endParaRPr lang="en-US"/>
           </a:p>
@@ -2466,10 +2450,9 @@
           <a:lstStyle/>
           <a:p>
             <a:r>
-              <a:rPr lang="en-US" smtClean="0"/>
+              <a:rPr lang="en-US"/>
               <a:t>Click to edit Master title style</a:t>
             </a:r>
-            <a:endParaRPr lang="en-US"/>
           </a:p>
         </p:txBody>
       </p:sp>
@@ -2500,38 +2483,37 @@
           <a:p>
             <a:pPr lvl="0"/>
             <a:r>
-              <a:rPr lang="en-US" smtClean="0"/>
+              <a:rPr lang="en-US"/>
               <a:t>Edit Master text styles</a:t>
             </a:r>
           </a:p>
           <a:p>
             <a:pPr lvl="1"/>
             <a:r>
-              <a:rPr lang="en-US" smtClean="0"/>
+              <a:rPr lang="en-US"/>
               <a:t>Second level</a:t>
             </a:r>
           </a:p>
           <a:p>
             <a:pPr lvl="2"/>
             <a:r>
-              <a:rPr lang="en-US" smtClean="0"/>
+              <a:rPr lang="en-US"/>
               <a:t>Third level</a:t>
             </a:r>
           </a:p>
           <a:p>
             <a:pPr lvl="3"/>
             <a:r>
-              <a:rPr lang="en-US" smtClean="0"/>
+              <a:rPr lang="en-US"/>
               <a:t>Fourth level</a:t>
             </a:r>
           </a:p>
           <a:p>
             <a:pPr lvl="4"/>
             <a:r>
-              <a:rPr lang="en-US" smtClean="0"/>
+              <a:rPr lang="en-US"/>
               <a:t>Fifth level</a:t>
             </a:r>
-            <a:endParaRPr lang="en-US"/>
           </a:p>
         </p:txBody>
       </p:sp>
@@ -2570,7 +2552,7 @@
           <a:p>
             <a:fld id="{44B0BF6E-BFAB-48E6-8DB1-1D8ABD5FADF1}" type="datetimeFigureOut">
               <a:rPr lang="en-US" smtClean="0"/>
-              <a:t>3/5/2018</a:t>
+              <a:t>3/18/2018</a:t>
             </a:fld>
             <a:endParaRPr lang="en-US"/>
           </a:p>
@@ -3012,10 +2994,9 @@
           <a:p>
             <a:pPr algn="ctr"/>
             <a:r>
-              <a:rPr lang="en-US" dirty="0" smtClean="0"/>
+              <a:rPr lang="en-US" dirty="0"/>
               <a:t>PROD</a:t>
             </a:r>
-            <a:endParaRPr lang="en-US" dirty="0"/>
           </a:p>
         </p:txBody>
       </p:sp>
@@ -3056,10 +3037,9 @@
           <a:p>
             <a:pPr algn="ctr"/>
             <a:r>
-              <a:rPr lang="en-US" sz="1100" dirty="0" smtClean="0"/>
+              <a:rPr lang="en-US" sz="1100" dirty="0"/>
               <a:t>Developers</a:t>
             </a:r>
-            <a:endParaRPr lang="en-US" sz="1100" dirty="0"/>
           </a:p>
         </p:txBody>
       </p:sp>
@@ -3100,10 +3080,9 @@
           <a:p>
             <a:pPr algn="ctr"/>
             <a:r>
-              <a:rPr lang="en-US" sz="1600" dirty="0" smtClean="0"/>
+              <a:rPr lang="en-US" sz="1600" dirty="0"/>
               <a:t>Engineer</a:t>
             </a:r>
-            <a:endParaRPr lang="en-US" sz="1600" dirty="0"/>
           </a:p>
         </p:txBody>
       </p:sp>
@@ -3144,10 +3123,9 @@
           <a:p>
             <a:pPr algn="ctr"/>
             <a:r>
-              <a:rPr lang="en-US" dirty="0" smtClean="0"/>
+              <a:rPr lang="en-US" dirty="0"/>
               <a:t>JIRA</a:t>
             </a:r>
-            <a:endParaRPr lang="en-US" dirty="0"/>
           </a:p>
         </p:txBody>
       </p:sp>
@@ -3188,24 +3166,23 @@
           <a:p>
             <a:pPr algn="ctr"/>
             <a:r>
-              <a:rPr lang="en-US" dirty="0" smtClean="0"/>
+              <a:rPr lang="en-US" dirty="0"/>
               <a:t>G</a:t>
             </a:r>
             <a:br>
-              <a:rPr lang="en-US" dirty="0" smtClean="0"/>
+              <a:rPr lang="en-US" dirty="0"/>
             </a:br>
             <a:r>
-              <a:rPr lang="en-US" dirty="0" smtClean="0"/>
+              <a:rPr lang="en-US" dirty="0"/>
               <a:t>I</a:t>
             </a:r>
             <a:br>
-              <a:rPr lang="en-US" dirty="0" smtClean="0"/>
+              <a:rPr lang="en-US" dirty="0"/>
             </a:br>
             <a:r>
-              <a:rPr lang="en-US" dirty="0" smtClean="0"/>
+              <a:rPr lang="en-US" dirty="0"/>
               <a:t>T</a:t>
             </a:r>
-            <a:endParaRPr lang="en-US" dirty="0"/>
           </a:p>
         </p:txBody>
       </p:sp>
@@ -3246,10 +3223,9 @@
           <a:p>
             <a:pPr algn="ctr"/>
             <a:r>
-              <a:rPr lang="en-US" dirty="0" smtClean="0"/>
+              <a:rPr lang="en-US" dirty="0"/>
               <a:t>Jenkins</a:t>
             </a:r>
-            <a:endParaRPr lang="en-US" dirty="0"/>
           </a:p>
         </p:txBody>
       </p:sp>
@@ -3290,10 +3266,9 @@
           <a:p>
             <a:pPr algn="ctr"/>
             <a:r>
-              <a:rPr lang="en-US" dirty="0" smtClean="0"/>
+              <a:rPr lang="en-US" dirty="0"/>
               <a:t>DEV</a:t>
             </a:r>
-            <a:endParaRPr lang="en-US" dirty="0"/>
           </a:p>
         </p:txBody>
       </p:sp>
@@ -3483,10 +3458,9 @@
           <a:p>
             <a:pPr algn="ctr"/>
             <a:r>
-              <a:rPr lang="en-US" dirty="0" smtClean="0"/>
+              <a:rPr lang="en-US" dirty="0"/>
               <a:t>QA</a:t>
             </a:r>
-            <a:endParaRPr lang="en-US" dirty="0"/>
           </a:p>
         </p:txBody>
       </p:sp>
@@ -3527,10 +3501,9 @@
           <a:p>
             <a:pPr algn="ctr"/>
             <a:r>
-              <a:rPr lang="en-US" dirty="0" smtClean="0"/>
+              <a:rPr lang="en-US" dirty="0"/>
               <a:t>Maven</a:t>
             </a:r>
-            <a:endParaRPr lang="en-US" dirty="0"/>
           </a:p>
         </p:txBody>
       </p:sp>
@@ -3608,10 +3581,9 @@
           <a:p>
             <a:pPr algn="ctr"/>
             <a:r>
-              <a:rPr lang="en-US" dirty="0" smtClean="0"/>
+              <a:rPr lang="en-US" dirty="0"/>
               <a:t>Sonar</a:t>
             </a:r>
-            <a:endParaRPr lang="en-US" dirty="0"/>
           </a:p>
         </p:txBody>
       </p:sp>
@@ -3652,10 +3624,9 @@
           <a:p>
             <a:pPr algn="ctr"/>
             <a:r>
-              <a:rPr lang="en-US" dirty="0" smtClean="0"/>
+              <a:rPr lang="en-US" dirty="0"/>
               <a:t>Selenium</a:t>
             </a:r>
-            <a:endParaRPr lang="en-US" dirty="0"/>
           </a:p>
         </p:txBody>
       </p:sp>
@@ -3696,10 +3667,9 @@
           <a:p>
             <a:pPr algn="ctr"/>
             <a:r>
-              <a:rPr lang="en-US" sz="1600" dirty="0" smtClean="0"/>
+              <a:rPr lang="en-US" sz="1600" dirty="0"/>
               <a:t>Nexus</a:t>
             </a:r>
-            <a:endParaRPr lang="en-US" sz="1600" dirty="0"/>
           </a:p>
         </p:txBody>
       </p:sp>
@@ -3855,7 +3825,7 @@
           <a:p>
             <a:pPr algn="ctr"/>
             <a:r>
-              <a:rPr lang="en-US" dirty="0" err="1" smtClean="0"/>
+              <a:rPr lang="en-US" dirty="0" err="1"/>
               <a:t>Ansible</a:t>
             </a:r>
             <a:endParaRPr lang="en-US" dirty="0"/>
@@ -4085,6 +4055,111 @@
     <p:extLst>
       <p:ext uri="{BB962C8B-B14F-4D97-AF65-F5344CB8AC3E}">
         <p14:creationId xmlns:p14="http://schemas.microsoft.com/office/powerpoint/2010/main" val="2133875661"/>
+      </p:ext>
+    </p:extLst>
+  </p:cSld>
+  <p:clrMapOvr>
+    <a:masterClrMapping/>
+  </p:clrMapOvr>
+</p:sld>
+</file>
+
+<file path=ppt/slides/slide10.xml><?xml version="1.0" encoding="utf-8"?>
+<p:sld xmlns:a="http://schemas.openxmlformats.org/drawingml/2006/main" xmlns:r="http://schemas.openxmlformats.org/officeDocument/2006/relationships" xmlns:p="http://schemas.openxmlformats.org/presentationml/2006/main">
+  <p:cSld>
+    <p:spTree>
+      <p:nvGrpSpPr>
+        <p:cNvPr id="1" name=""/>
+        <p:cNvGrpSpPr/>
+        <p:nvPr/>
+      </p:nvGrpSpPr>
+      <p:grpSpPr>
+        <a:xfrm>
+          <a:off x="0" y="0"/>
+          <a:ext cx="0" cy="0"/>
+          <a:chOff x="0" y="0"/>
+          <a:chExt cx="0" cy="0"/>
+        </a:xfrm>
+      </p:grpSpPr>
+      <p:sp>
+        <p:nvSpPr>
+          <p:cNvPr id="4" name="TextBox 3"/>
+          <p:cNvSpPr txBox="1"/>
+          <p:nvPr/>
+        </p:nvSpPr>
+        <p:spPr>
+          <a:xfrm>
+            <a:off x="1387929" y="383721"/>
+            <a:ext cx="4963885" cy="2585323"/>
+          </a:xfrm>
+          <a:prstGeom prst="rect">
+            <a:avLst/>
+          </a:prstGeom>
+          <a:noFill/>
+        </p:spPr>
+        <p:txBody>
+          <a:bodyPr wrap="square" rtlCol="0">
+            <a:spAutoFit/>
+          </a:bodyPr>
+          <a:lstStyle/>
+          <a:p>
+            <a:r>
+              <a:rPr lang="en-US" dirty="0" err="1"/>
+              <a:t>Arun</a:t>
+            </a:r>
+            <a:r>
+              <a:rPr lang="en-US" dirty="0"/>
+              <a:t> -&gt; developer</a:t>
+            </a:r>
+          </a:p>
+          <a:p>
+            <a:r>
+              <a:rPr lang="en-US" dirty="0" err="1"/>
+              <a:t>Janardhan</a:t>
+            </a:r>
+            <a:r>
+              <a:rPr lang="en-US" dirty="0"/>
+              <a:t> -&gt; developer</a:t>
+            </a:r>
+          </a:p>
+          <a:p>
+            <a:endParaRPr lang="en-US" dirty="0"/>
+          </a:p>
+          <a:p>
+            <a:r>
+              <a:rPr lang="en-US" dirty="0"/>
+              <a:t>Mohan -&gt; DevOps</a:t>
+            </a:r>
+          </a:p>
+          <a:p>
+            <a:r>
+              <a:rPr lang="en-US" dirty="0" err="1"/>
+              <a:t>Murali</a:t>
+            </a:r>
+            <a:r>
+              <a:rPr lang="en-US" dirty="0"/>
+              <a:t> -&gt; DevOps</a:t>
+            </a:r>
+          </a:p>
+          <a:p>
+            <a:endParaRPr lang="en-US" dirty="0"/>
+          </a:p>
+          <a:p>
+            <a:endParaRPr lang="en-US" dirty="0"/>
+          </a:p>
+          <a:p>
+            <a:r>
+              <a:rPr lang="en-US" b="1" dirty="0"/>
+              <a:t>https://973714476881.signin.aws.amazon.com/console</a:t>
+            </a:r>
+            <a:endParaRPr lang="en-US" dirty="0"/>
+          </a:p>
+        </p:txBody>
+      </p:sp>
+    </p:spTree>
+    <p:extLst>
+      <p:ext uri="{BB962C8B-B14F-4D97-AF65-F5344CB8AC3E}">
+        <p14:creationId xmlns:p14="http://schemas.microsoft.com/office/powerpoint/2010/main" val="2703039288"/>
       </p:ext>
     </p:extLst>
   </p:cSld>
@@ -4134,10 +4209,9 @@
           <a:lstStyle/>
           <a:p>
             <a:r>
-              <a:rPr lang="en-US" u="sng" dirty="0" smtClean="0"/>
+              <a:rPr lang="en-US" u="sng" dirty="0"/>
               <a:t>DEV Compile &amp; Deploy</a:t>
             </a:r>
-            <a:endParaRPr lang="en-US" u="sng" dirty="0"/>
           </a:p>
         </p:txBody>
       </p:sp>
@@ -4178,7 +4252,7 @@
           <a:p>
             <a:pPr algn="ctr"/>
             <a:r>
-              <a:rPr lang="en-US" dirty="0" smtClean="0"/>
+              <a:rPr lang="en-US" dirty="0"/>
               <a:t>Jenkins</a:t>
             </a:r>
           </a:p>
@@ -4221,7 +4295,7 @@
           <a:p>
             <a:pPr algn="ctr"/>
             <a:r>
-              <a:rPr lang="en-US" dirty="0" smtClean="0"/>
+              <a:rPr lang="en-US" dirty="0"/>
               <a:t>Job1:</a:t>
             </a:r>
           </a:p>
@@ -4232,10 +4306,9 @@
           <a:p>
             <a:pPr algn="ctr"/>
             <a:r>
-              <a:rPr lang="en-US" dirty="0" smtClean="0"/>
+              <a:rPr lang="en-US" dirty="0"/>
               <a:t>Make a Package</a:t>
             </a:r>
-            <a:endParaRPr lang="en-US" dirty="0"/>
           </a:p>
         </p:txBody>
       </p:sp>
@@ -4276,7 +4349,7 @@
           <a:p>
             <a:pPr algn="ctr"/>
             <a:r>
-              <a:rPr lang="en-US" dirty="0" smtClean="0"/>
+              <a:rPr lang="en-US" dirty="0"/>
               <a:t>Job2:</a:t>
             </a:r>
           </a:p>
@@ -4287,10 +4360,9 @@
           <a:p>
             <a:pPr algn="ctr"/>
             <a:r>
-              <a:rPr lang="en-US" dirty="0" smtClean="0"/>
+              <a:rPr lang="en-US" dirty="0"/>
               <a:t>Deploy to Dev Server</a:t>
             </a:r>
-            <a:endParaRPr lang="en-US" dirty="0"/>
           </a:p>
         </p:txBody>
       </p:sp>
@@ -4331,10 +4403,9 @@
           <a:p>
             <a:pPr algn="ctr"/>
             <a:r>
-              <a:rPr lang="en-US" dirty="0" smtClean="0"/>
+              <a:rPr lang="en-US" dirty="0"/>
               <a:t>Jenkins</a:t>
             </a:r>
-            <a:endParaRPr lang="en-US" dirty="0"/>
           </a:p>
         </p:txBody>
       </p:sp>
@@ -4401,10 +4472,9 @@
           <a:lstStyle/>
           <a:p>
             <a:r>
-              <a:rPr lang="en-US" dirty="0" smtClean="0"/>
+              <a:rPr lang="en-US" dirty="0"/>
               <a:t>Maven Slave</a:t>
             </a:r>
-            <a:endParaRPr lang="en-US" dirty="0"/>
           </a:p>
         </p:txBody>
       </p:sp>
@@ -4483,10 +4553,9 @@
           <a:p>
             <a:pPr algn="ctr"/>
             <a:r>
-              <a:rPr lang="en-US" dirty="0" smtClean="0"/>
+              <a:rPr lang="en-US" dirty="0"/>
               <a:t>Dev Node</a:t>
             </a:r>
-            <a:endParaRPr lang="en-US" dirty="0"/>
           </a:p>
         </p:txBody>
       </p:sp>
@@ -4527,10 +4596,9 @@
           <a:p>
             <a:pPr algn="ctr"/>
             <a:r>
-              <a:rPr lang="en-US" dirty="0" smtClean="0"/>
+              <a:rPr lang="en-US" dirty="0"/>
               <a:t>Ansible-Server</a:t>
             </a:r>
-            <a:endParaRPr lang="en-US" dirty="0"/>
           </a:p>
         </p:txBody>
       </p:sp>
@@ -4666,10 +4734,9 @@
           <a:lstStyle/>
           <a:p>
             <a:r>
-              <a:rPr lang="en-US" dirty="0" smtClean="0"/>
+              <a:rPr lang="en-US" dirty="0"/>
               <a:t>Pulling war file</a:t>
             </a:r>
-            <a:endParaRPr lang="en-US" dirty="0"/>
           </a:p>
         </p:txBody>
       </p:sp>
@@ -4710,7 +4777,7 @@
           <a:p>
             <a:pPr algn="ctr"/>
             <a:r>
-              <a:rPr lang="en-US" dirty="0" err="1" smtClean="0"/>
+              <a:rPr lang="en-US" dirty="0" err="1"/>
               <a:t>GitLab</a:t>
             </a:r>
             <a:endParaRPr lang="en-US" dirty="0"/>
@@ -4828,10 +4895,9 @@
           <a:p>
             <a:pPr algn="ctr"/>
             <a:r>
-              <a:rPr lang="en-US" sz="1400" dirty="0" smtClean="0"/>
+              <a:rPr lang="en-US" sz="1400" dirty="0"/>
               <a:t>If Success</a:t>
             </a:r>
-            <a:endParaRPr lang="en-US" sz="1400" dirty="0"/>
           </a:p>
         </p:txBody>
       </p:sp>
@@ -4858,10 +4924,9 @@
           <a:lstStyle/>
           <a:p>
             <a:r>
-              <a:rPr lang="en-US" dirty="0" smtClean="0"/>
+              <a:rPr lang="en-US" dirty="0"/>
               <a:t>Job1</a:t>
             </a:r>
-            <a:endParaRPr lang="en-US" dirty="0"/>
           </a:p>
         </p:txBody>
       </p:sp>
@@ -4888,10 +4953,9 @@
           <a:lstStyle/>
           <a:p>
             <a:r>
-              <a:rPr lang="en-US" dirty="0" smtClean="0"/>
+              <a:rPr lang="en-US" dirty="0"/>
               <a:t>Job2</a:t>
             </a:r>
-            <a:endParaRPr lang="en-US" dirty="0"/>
           </a:p>
         </p:txBody>
       </p:sp>
@@ -4948,11 +5012,11 @@
           <a:lstStyle/>
           <a:p>
             <a:r>
-              <a:rPr lang="en-US" dirty="0" smtClean="0"/>
+              <a:rPr lang="en-US" dirty="0"/>
               <a:t>QA </a:t>
             </a:r>
             <a:r>
-              <a:rPr lang="en-US" dirty="0" err="1" smtClean="0"/>
+              <a:rPr lang="en-US" dirty="0" err="1"/>
               <a:t>WorkFlow</a:t>
             </a:r>
             <a:endParaRPr lang="en-US" dirty="0"/>
@@ -4996,7 +5060,7 @@
           <a:p>
             <a:pPr algn="ctr"/>
             <a:r>
-              <a:rPr lang="en-US" dirty="0" err="1" smtClean="0"/>
+              <a:rPr lang="en-US" dirty="0" err="1"/>
               <a:t>Develope</a:t>
             </a:r>
             <a:endParaRPr lang="en-US" dirty="0"/>
@@ -5040,7 +5104,7 @@
           <a:p>
             <a:pPr algn="ctr"/>
             <a:r>
-              <a:rPr lang="en-US" dirty="0" err="1" smtClean="0"/>
+              <a:rPr lang="en-US" dirty="0" err="1"/>
               <a:t>GitLab</a:t>
             </a:r>
             <a:endParaRPr lang="en-US" dirty="0"/>
@@ -5084,10 +5148,9 @@
           <a:p>
             <a:pPr algn="ctr"/>
             <a:r>
-              <a:rPr lang="en-US" dirty="0" smtClean="0"/>
+              <a:rPr lang="en-US" dirty="0"/>
               <a:t>Jenkins</a:t>
             </a:r>
-            <a:endParaRPr lang="en-US" dirty="0"/>
           </a:p>
         </p:txBody>
       </p:sp>
@@ -5128,10 +5191,9 @@
           <a:p>
             <a:pPr algn="ctr"/>
             <a:r>
-              <a:rPr lang="en-US" dirty="0" smtClean="0"/>
+              <a:rPr lang="en-US" dirty="0"/>
               <a:t>Deploy</a:t>
             </a:r>
-            <a:endParaRPr lang="en-US" dirty="0"/>
           </a:p>
         </p:txBody>
       </p:sp>
@@ -5172,10 +5234,9 @@
           <a:p>
             <a:pPr algn="ctr"/>
             <a:r>
-              <a:rPr lang="en-US" dirty="0" smtClean="0"/>
+              <a:rPr lang="en-US" dirty="0"/>
               <a:t>Ansible</a:t>
             </a:r>
-            <a:endParaRPr lang="en-US" dirty="0"/>
           </a:p>
         </p:txBody>
       </p:sp>
@@ -5216,10 +5277,9 @@
           <a:p>
             <a:pPr algn="ctr"/>
             <a:r>
-              <a:rPr lang="en-US" dirty="0" smtClean="0"/>
+              <a:rPr lang="en-US" dirty="0"/>
               <a:t>QA Node</a:t>
             </a:r>
-            <a:endParaRPr lang="en-US" dirty="0"/>
           </a:p>
         </p:txBody>
       </p:sp>
@@ -5409,18 +5469,13 @@
           <a:p>
             <a:pPr algn="ctr"/>
             <a:r>
-              <a:rPr lang="en-US" dirty="0" smtClean="0">
+              <a:rPr lang="en-US" dirty="0">
                 <a:solidFill>
                   <a:schemeClr val="tx1"/>
                 </a:solidFill>
               </a:rPr>
               <a:t>Selenium</a:t>
             </a:r>
-            <a:endParaRPr lang="en-US" dirty="0">
-              <a:solidFill>
-                <a:schemeClr val="tx1"/>
-              </a:solidFill>
-            </a:endParaRPr>
           </a:p>
         </p:txBody>
       </p:sp>
@@ -5461,18 +5516,13 @@
           <a:p>
             <a:pPr algn="ctr"/>
             <a:r>
-              <a:rPr lang="en-US" dirty="0" smtClean="0">
+              <a:rPr lang="en-US" dirty="0">
                 <a:solidFill>
                   <a:schemeClr val="tx1"/>
                 </a:solidFill>
               </a:rPr>
               <a:t>Nexus</a:t>
             </a:r>
-            <a:endParaRPr lang="en-US" dirty="0">
-              <a:solidFill>
-                <a:schemeClr val="tx1"/>
-              </a:solidFill>
-            </a:endParaRPr>
           </a:p>
         </p:txBody>
       </p:sp>
@@ -5590,17 +5640,16 @@
           <a:p>
             <a:pPr algn="ctr"/>
             <a:r>
-              <a:rPr lang="en-US" dirty="0" smtClean="0"/>
+              <a:rPr lang="en-US" dirty="0"/>
               <a:t>END </a:t>
             </a:r>
             <a:br>
-              <a:rPr lang="en-US" dirty="0" smtClean="0"/>
+              <a:rPr lang="en-US" dirty="0"/>
             </a:br>
             <a:r>
-              <a:rPr lang="en-US" dirty="0" smtClean="0"/>
+              <a:rPr lang="en-US" dirty="0"/>
               <a:t>Users</a:t>
             </a:r>
-            <a:endParaRPr lang="en-US" dirty="0"/>
           </a:p>
         </p:txBody>
       </p:sp>
@@ -5657,10 +5706,9 @@
           <a:lstStyle/>
           <a:p>
             <a:r>
-              <a:rPr lang="en-US" dirty="0" smtClean="0"/>
+              <a:rPr lang="en-US" dirty="0"/>
               <a:t>PROD-INFRA</a:t>
             </a:r>
-            <a:endParaRPr lang="en-US" dirty="0"/>
           </a:p>
         </p:txBody>
       </p:sp>
@@ -5701,10 +5749,9 @@
           <a:p>
             <a:pPr algn="ctr"/>
             <a:r>
-              <a:rPr lang="en-US" dirty="0" smtClean="0"/>
+              <a:rPr lang="en-US" dirty="0"/>
               <a:t>Load Balancer</a:t>
             </a:r>
-            <a:endParaRPr lang="en-US" dirty="0"/>
           </a:p>
         </p:txBody>
       </p:sp>
@@ -5745,24 +5792,23 @@
           <a:p>
             <a:pPr algn="ctr"/>
             <a:r>
-              <a:rPr lang="en-US" dirty="0" smtClean="0"/>
+              <a:rPr lang="en-US" dirty="0"/>
               <a:t>WEB</a:t>
             </a:r>
             <a:br>
-              <a:rPr lang="en-US" dirty="0" smtClean="0"/>
+              <a:rPr lang="en-US" dirty="0"/>
             </a:br>
             <a:r>
-              <a:rPr lang="en-US" dirty="0" smtClean="0"/>
+              <a:rPr lang="en-US" dirty="0"/>
               <a:t>+</a:t>
             </a:r>
             <a:br>
-              <a:rPr lang="en-US" dirty="0" smtClean="0"/>
+              <a:rPr lang="en-US" dirty="0"/>
             </a:br>
             <a:r>
-              <a:rPr lang="en-US" dirty="0" smtClean="0"/>
+              <a:rPr lang="en-US" dirty="0"/>
               <a:t>APP 1</a:t>
             </a:r>
-            <a:endParaRPr lang="en-US" dirty="0"/>
           </a:p>
         </p:txBody>
       </p:sp>
@@ -5803,24 +5849,23 @@
           <a:p>
             <a:pPr algn="ctr"/>
             <a:r>
-              <a:rPr lang="en-US" dirty="0" smtClean="0"/>
+              <a:rPr lang="en-US" dirty="0"/>
               <a:t>WEB</a:t>
             </a:r>
             <a:br>
-              <a:rPr lang="en-US" dirty="0" smtClean="0"/>
+              <a:rPr lang="en-US" dirty="0"/>
             </a:br>
             <a:r>
-              <a:rPr lang="en-US" dirty="0" smtClean="0"/>
+              <a:rPr lang="en-US" dirty="0"/>
               <a:t>+</a:t>
             </a:r>
             <a:br>
-              <a:rPr lang="en-US" dirty="0" smtClean="0"/>
+              <a:rPr lang="en-US" dirty="0"/>
             </a:br>
             <a:r>
-              <a:rPr lang="en-US" dirty="0" smtClean="0"/>
+              <a:rPr lang="en-US" dirty="0"/>
               <a:t>APP 2</a:t>
             </a:r>
-            <a:endParaRPr lang="en-US" dirty="0"/>
           </a:p>
         </p:txBody>
       </p:sp>
@@ -5861,10 +5906,9 @@
           <a:p>
             <a:pPr algn="ctr"/>
             <a:r>
-              <a:rPr lang="en-US" dirty="0" smtClean="0"/>
+              <a:rPr lang="en-US" dirty="0"/>
               <a:t>DB</a:t>
             </a:r>
-            <a:endParaRPr lang="en-US" dirty="0"/>
           </a:p>
         </p:txBody>
       </p:sp>
@@ -6079,7 +6123,7 @@
           <a:p>
             <a:pPr algn="ctr"/>
             <a:r>
-              <a:rPr lang="en-US" dirty="0" err="1" smtClean="0"/>
+              <a:rPr lang="en-US" dirty="0" err="1"/>
               <a:t>D’lper</a:t>
             </a:r>
             <a:endParaRPr lang="en-US" dirty="0"/>
@@ -6123,7 +6167,7 @@
           <a:p>
             <a:pPr algn="ctr"/>
             <a:r>
-              <a:rPr lang="en-US" dirty="0" err="1" smtClean="0"/>
+              <a:rPr lang="en-US" dirty="0" err="1"/>
               <a:t>GitLab</a:t>
             </a:r>
             <a:endParaRPr lang="en-US" dirty="0"/>
@@ -6167,10 +6211,9 @@
           <a:p>
             <a:pPr algn="ctr"/>
             <a:r>
-              <a:rPr lang="en-US" dirty="0" smtClean="0"/>
+              <a:rPr lang="en-US" dirty="0"/>
               <a:t>Jenkins</a:t>
             </a:r>
-            <a:endParaRPr lang="en-US" dirty="0"/>
           </a:p>
         </p:txBody>
       </p:sp>
@@ -6211,10 +6254,9 @@
           <a:p>
             <a:pPr algn="ctr"/>
             <a:r>
-              <a:rPr lang="en-US" dirty="0" smtClean="0"/>
+              <a:rPr lang="en-US" dirty="0"/>
               <a:t>Package</a:t>
             </a:r>
-            <a:endParaRPr lang="en-US" dirty="0"/>
           </a:p>
         </p:txBody>
       </p:sp>
@@ -6255,10 +6297,9 @@
           <a:p>
             <a:pPr algn="ctr"/>
             <a:r>
-              <a:rPr lang="en-US" dirty="0" smtClean="0"/>
+              <a:rPr lang="en-US" dirty="0"/>
               <a:t>Nexus</a:t>
             </a:r>
-            <a:endParaRPr lang="en-US" dirty="0"/>
           </a:p>
         </p:txBody>
       </p:sp>
@@ -6299,10 +6340,9 @@
           <a:p>
             <a:pPr algn="ctr"/>
             <a:r>
-              <a:rPr lang="en-US" dirty="0" smtClean="0"/>
+              <a:rPr lang="en-US" dirty="0"/>
               <a:t>PROD</a:t>
             </a:r>
-            <a:endParaRPr lang="en-US" dirty="0"/>
           </a:p>
         </p:txBody>
       </p:sp>
@@ -6343,10 +6383,9 @@
           <a:p>
             <a:pPr algn="ctr"/>
             <a:r>
-              <a:rPr lang="en-US" dirty="0" smtClean="0"/>
+              <a:rPr lang="en-US" dirty="0"/>
               <a:t>ANSIBLE</a:t>
             </a:r>
-            <a:endParaRPr lang="en-US" dirty="0"/>
           </a:p>
         </p:txBody>
       </p:sp>
@@ -6590,10 +6629,9 @@
           <a:lstStyle/>
           <a:p>
             <a:r>
-              <a:rPr lang="en-US" b="1" dirty="0" smtClean="0"/>
+              <a:rPr lang="en-US" b="1" dirty="0"/>
               <a:t>Change Request (CR)</a:t>
             </a:r>
-            <a:endParaRPr lang="en-US" b="1" dirty="0"/>
           </a:p>
         </p:txBody>
       </p:sp>
@@ -6620,10 +6658,9 @@
           <a:lstStyle/>
           <a:p>
             <a:r>
-              <a:rPr lang="en-US" dirty="0" smtClean="0"/>
+              <a:rPr lang="en-US" dirty="0"/>
               <a:t>PROD Work - FLOW</a:t>
             </a:r>
-            <a:endParaRPr lang="en-US" dirty="0"/>
           </a:p>
         </p:txBody>
       </p:sp>
@@ -6815,6 +6852,1745 @@
     <p:extLst>
       <p:ext uri="{BB962C8B-B14F-4D97-AF65-F5344CB8AC3E}">
         <p14:creationId xmlns:p14="http://schemas.microsoft.com/office/powerpoint/2010/main" val="1093999383"/>
+      </p:ext>
+    </p:extLst>
+  </p:cSld>
+  <p:clrMapOvr>
+    <a:masterClrMapping/>
+  </p:clrMapOvr>
+</p:sld>
+</file>
+
+<file path=ppt/slides/slide8.xml><?xml version="1.0" encoding="utf-8"?>
+<p:sld xmlns:a="http://schemas.openxmlformats.org/drawingml/2006/main" xmlns:r="http://schemas.openxmlformats.org/officeDocument/2006/relationships" xmlns:p="http://schemas.openxmlformats.org/presentationml/2006/main">
+  <p:cSld>
+    <p:spTree>
+      <p:nvGrpSpPr>
+        <p:cNvPr id="1" name=""/>
+        <p:cNvGrpSpPr/>
+        <p:nvPr/>
+      </p:nvGrpSpPr>
+      <p:grpSpPr>
+        <a:xfrm>
+          <a:off x="0" y="0"/>
+          <a:ext cx="0" cy="0"/>
+          <a:chOff x="0" y="0"/>
+          <a:chExt cx="0" cy="0"/>
+        </a:xfrm>
+      </p:grpSpPr>
+      <p:sp>
+        <p:nvSpPr>
+          <p:cNvPr id="4" name="Oval 3"/>
+          <p:cNvSpPr/>
+          <p:nvPr/>
+        </p:nvSpPr>
+        <p:spPr>
+          <a:xfrm>
+            <a:off x="318407" y="3004457"/>
+            <a:ext cx="1436914" cy="1371600"/>
+          </a:xfrm>
+          <a:prstGeom prst="ellipse">
+            <a:avLst/>
+          </a:prstGeom>
+        </p:spPr>
+        <p:style>
+          <a:lnRef idx="2">
+            <a:schemeClr val="accent1">
+              <a:shade val="50000"/>
+            </a:schemeClr>
+          </a:lnRef>
+          <a:fillRef idx="1">
+            <a:schemeClr val="accent1"/>
+          </a:fillRef>
+          <a:effectRef idx="0">
+            <a:schemeClr val="accent1"/>
+          </a:effectRef>
+          <a:fontRef idx="minor">
+            <a:schemeClr val="lt1"/>
+          </a:fontRef>
+        </p:style>
+        <p:txBody>
+          <a:bodyPr rtlCol="0" anchor="ctr"/>
+          <a:lstStyle/>
+          <a:p>
+            <a:pPr algn="ctr"/>
+            <a:r>
+              <a:rPr lang="en-US" dirty="0"/>
+              <a:t>Developers</a:t>
+            </a:r>
+          </a:p>
+        </p:txBody>
+      </p:sp>
+      <p:sp>
+        <p:nvSpPr>
+          <p:cNvPr id="5" name="Rectangle 4"/>
+          <p:cNvSpPr/>
+          <p:nvPr/>
+        </p:nvSpPr>
+        <p:spPr>
+          <a:xfrm>
+            <a:off x="2351314" y="2555421"/>
+            <a:ext cx="1077686" cy="2604408"/>
+          </a:xfrm>
+          <a:prstGeom prst="rect">
+            <a:avLst/>
+          </a:prstGeom>
+        </p:spPr>
+        <p:style>
+          <a:lnRef idx="3">
+            <a:schemeClr val="lt1"/>
+          </a:lnRef>
+          <a:fillRef idx="1">
+            <a:schemeClr val="accent4"/>
+          </a:fillRef>
+          <a:effectRef idx="1">
+            <a:schemeClr val="accent4"/>
+          </a:effectRef>
+          <a:fontRef idx="minor">
+            <a:schemeClr val="lt1"/>
+          </a:fontRef>
+        </p:style>
+        <p:txBody>
+          <a:bodyPr rtlCol="0" anchor="ctr"/>
+          <a:lstStyle/>
+          <a:p>
+            <a:pPr algn="ctr"/>
+            <a:r>
+              <a:rPr lang="en-US" dirty="0" err="1"/>
+              <a:t>GitLab</a:t>
+            </a:r>
+            <a:endParaRPr lang="en-US" dirty="0"/>
+          </a:p>
+        </p:txBody>
+      </p:sp>
+      <p:sp>
+        <p:nvSpPr>
+          <p:cNvPr id="6" name="Rectangle 5"/>
+          <p:cNvSpPr/>
+          <p:nvPr/>
+        </p:nvSpPr>
+        <p:spPr>
+          <a:xfrm>
+            <a:off x="3657600" y="3804557"/>
+            <a:ext cx="3820886" cy="987879"/>
+          </a:xfrm>
+          <a:prstGeom prst="rect">
+            <a:avLst/>
+          </a:prstGeom>
+        </p:spPr>
+        <p:style>
+          <a:lnRef idx="2">
+            <a:schemeClr val="accent1">
+              <a:shade val="50000"/>
+            </a:schemeClr>
+          </a:lnRef>
+          <a:fillRef idx="1">
+            <a:schemeClr val="accent1"/>
+          </a:fillRef>
+          <a:effectRef idx="0">
+            <a:schemeClr val="accent1"/>
+          </a:effectRef>
+          <a:fontRef idx="minor">
+            <a:schemeClr val="lt1"/>
+          </a:fontRef>
+        </p:style>
+        <p:txBody>
+          <a:bodyPr rtlCol="0" anchor="ctr"/>
+          <a:lstStyle/>
+          <a:p>
+            <a:pPr algn="ctr"/>
+            <a:r>
+              <a:rPr lang="en-US" dirty="0"/>
+              <a:t>Jenkins</a:t>
+            </a:r>
+          </a:p>
+        </p:txBody>
+      </p:sp>
+      <p:sp>
+        <p:nvSpPr>
+          <p:cNvPr id="7" name="Rectangle 6"/>
+          <p:cNvSpPr/>
+          <p:nvPr/>
+        </p:nvSpPr>
+        <p:spPr>
+          <a:xfrm>
+            <a:off x="3755571" y="1910443"/>
+            <a:ext cx="1167493" cy="1747157"/>
+          </a:xfrm>
+          <a:prstGeom prst="rect">
+            <a:avLst/>
+          </a:prstGeom>
+        </p:spPr>
+        <p:style>
+          <a:lnRef idx="2">
+            <a:schemeClr val="dk1">
+              <a:shade val="50000"/>
+            </a:schemeClr>
+          </a:lnRef>
+          <a:fillRef idx="1">
+            <a:schemeClr val="dk1"/>
+          </a:fillRef>
+          <a:effectRef idx="0">
+            <a:schemeClr val="dk1"/>
+          </a:effectRef>
+          <a:fontRef idx="minor">
+            <a:schemeClr val="lt1"/>
+          </a:fontRef>
+        </p:style>
+        <p:txBody>
+          <a:bodyPr rtlCol="0" anchor="ctr"/>
+          <a:lstStyle/>
+          <a:p>
+            <a:pPr algn="ctr"/>
+            <a:r>
+              <a:rPr lang="en-US" dirty="0"/>
+              <a:t>DEV</a:t>
+            </a:r>
+            <a:br>
+              <a:rPr lang="en-US" dirty="0"/>
+            </a:br>
+            <a:r>
+              <a:rPr lang="en-US" dirty="0"/>
+              <a:t>POD</a:t>
+            </a:r>
+          </a:p>
+        </p:txBody>
+      </p:sp>
+      <p:sp>
+        <p:nvSpPr>
+          <p:cNvPr id="8" name="Rectangle 7"/>
+          <p:cNvSpPr/>
+          <p:nvPr/>
+        </p:nvSpPr>
+        <p:spPr>
+          <a:xfrm>
+            <a:off x="5110843" y="1910443"/>
+            <a:ext cx="1061357" cy="1747157"/>
+          </a:xfrm>
+          <a:prstGeom prst="rect">
+            <a:avLst/>
+          </a:prstGeom>
+        </p:spPr>
+        <p:style>
+          <a:lnRef idx="2">
+            <a:schemeClr val="accent2">
+              <a:shade val="50000"/>
+            </a:schemeClr>
+          </a:lnRef>
+          <a:fillRef idx="1">
+            <a:schemeClr val="accent2"/>
+          </a:fillRef>
+          <a:effectRef idx="0">
+            <a:schemeClr val="accent2"/>
+          </a:effectRef>
+          <a:fontRef idx="minor">
+            <a:schemeClr val="lt1"/>
+          </a:fontRef>
+        </p:style>
+        <p:txBody>
+          <a:bodyPr rtlCol="0" anchor="ctr"/>
+          <a:lstStyle/>
+          <a:p>
+            <a:pPr algn="ctr"/>
+            <a:r>
+              <a:rPr lang="en-US" dirty="0"/>
+              <a:t>QA</a:t>
+            </a:r>
+          </a:p>
+          <a:p>
+            <a:pPr algn="ctr"/>
+            <a:r>
+              <a:rPr lang="en-US" dirty="0"/>
+              <a:t>POD</a:t>
+            </a:r>
+          </a:p>
+        </p:txBody>
+      </p:sp>
+      <p:sp>
+        <p:nvSpPr>
+          <p:cNvPr id="9" name="Rectangle 8"/>
+          <p:cNvSpPr/>
+          <p:nvPr/>
+        </p:nvSpPr>
+        <p:spPr>
+          <a:xfrm>
+            <a:off x="3429000" y="693964"/>
+            <a:ext cx="2833007" cy="996043"/>
+          </a:xfrm>
+          <a:prstGeom prst="rect">
+            <a:avLst/>
+          </a:prstGeom>
+        </p:spPr>
+        <p:style>
+          <a:lnRef idx="2">
+            <a:schemeClr val="accent1">
+              <a:shade val="50000"/>
+            </a:schemeClr>
+          </a:lnRef>
+          <a:fillRef idx="1">
+            <a:schemeClr val="accent1"/>
+          </a:fillRef>
+          <a:effectRef idx="0">
+            <a:schemeClr val="accent1"/>
+          </a:effectRef>
+          <a:fontRef idx="minor">
+            <a:schemeClr val="lt1"/>
+          </a:fontRef>
+        </p:style>
+        <p:txBody>
+          <a:bodyPr rtlCol="0" anchor="ctr"/>
+          <a:lstStyle/>
+          <a:p>
+            <a:pPr algn="ctr"/>
+            <a:r>
+              <a:rPr lang="en-US" dirty="0" err="1"/>
+              <a:t>Selnium</a:t>
+            </a:r>
+            <a:endParaRPr lang="en-US" dirty="0"/>
+          </a:p>
+          <a:p>
+            <a:pPr algn="ctr"/>
+            <a:r>
+              <a:rPr lang="en-US" dirty="0" err="1"/>
+              <a:t>SonarQube</a:t>
+            </a:r>
+            <a:endParaRPr lang="en-US" dirty="0"/>
+          </a:p>
+        </p:txBody>
+      </p:sp>
+      <p:sp>
+        <p:nvSpPr>
+          <p:cNvPr id="10" name="Rectangle 9"/>
+          <p:cNvSpPr/>
+          <p:nvPr/>
+        </p:nvSpPr>
+        <p:spPr>
+          <a:xfrm>
+            <a:off x="8711293" y="3077936"/>
+            <a:ext cx="3094264" cy="3045278"/>
+          </a:xfrm>
+          <a:prstGeom prst="rect">
+            <a:avLst/>
+          </a:prstGeom>
+        </p:spPr>
+        <p:style>
+          <a:lnRef idx="2">
+            <a:schemeClr val="accent3">
+              <a:shade val="50000"/>
+            </a:schemeClr>
+          </a:lnRef>
+          <a:fillRef idx="1">
+            <a:schemeClr val="accent3"/>
+          </a:fillRef>
+          <a:effectRef idx="0">
+            <a:schemeClr val="accent3"/>
+          </a:effectRef>
+          <a:fontRef idx="minor">
+            <a:schemeClr val="lt1"/>
+          </a:fontRef>
+        </p:style>
+        <p:txBody>
+          <a:bodyPr rtlCol="0" anchor="ctr"/>
+          <a:lstStyle/>
+          <a:p>
+            <a:pPr algn="ctr"/>
+            <a:r>
+              <a:rPr lang="en-US" dirty="0"/>
+              <a:t>PROD</a:t>
+            </a:r>
+          </a:p>
+          <a:p>
+            <a:pPr algn="ctr"/>
+            <a:r>
+              <a:rPr lang="en-US" dirty="0"/>
+              <a:t>(DEPLOYMENT)</a:t>
+            </a:r>
+          </a:p>
+          <a:p>
+            <a:pPr algn="ctr"/>
+            <a:r>
+              <a:rPr lang="en-US" dirty="0"/>
+              <a:t>Multiple-PODS</a:t>
+            </a:r>
+          </a:p>
+        </p:txBody>
+      </p:sp>
+      <p:sp>
+        <p:nvSpPr>
+          <p:cNvPr id="11" name="Rectangle 10"/>
+          <p:cNvSpPr/>
+          <p:nvPr/>
+        </p:nvSpPr>
+        <p:spPr>
+          <a:xfrm>
+            <a:off x="4090307" y="5298621"/>
+            <a:ext cx="3388179" cy="938893"/>
+          </a:xfrm>
+          <a:prstGeom prst="rect">
+            <a:avLst/>
+          </a:prstGeom>
+        </p:spPr>
+        <p:style>
+          <a:lnRef idx="2">
+            <a:schemeClr val="accent6">
+              <a:shade val="50000"/>
+            </a:schemeClr>
+          </a:lnRef>
+          <a:fillRef idx="1">
+            <a:schemeClr val="accent6"/>
+          </a:fillRef>
+          <a:effectRef idx="0">
+            <a:schemeClr val="accent6"/>
+          </a:effectRef>
+          <a:fontRef idx="minor">
+            <a:schemeClr val="lt1"/>
+          </a:fontRef>
+        </p:style>
+        <p:txBody>
+          <a:bodyPr rtlCol="0" anchor="ctr"/>
+          <a:lstStyle/>
+          <a:p>
+            <a:pPr algn="ctr"/>
+            <a:r>
+              <a:rPr lang="en-US" dirty="0"/>
+              <a:t>Kubernetes</a:t>
+            </a:r>
+          </a:p>
+        </p:txBody>
+      </p:sp>
+      <p:cxnSp>
+        <p:nvCxnSpPr>
+          <p:cNvPr id="13" name="Straight Arrow Connector 12"/>
+          <p:cNvCxnSpPr/>
+          <p:nvPr/>
+        </p:nvCxnSpPr>
+        <p:spPr>
+          <a:xfrm>
+            <a:off x="1485900" y="3804557"/>
+            <a:ext cx="1045029" cy="0"/>
+          </a:xfrm>
+          <a:prstGeom prst="straightConnector1">
+            <a:avLst/>
+          </a:prstGeom>
+          <a:ln w="28575">
+            <a:solidFill>
+              <a:schemeClr val="tx1"/>
+            </a:solidFill>
+            <a:tailEnd type="triangle"/>
+          </a:ln>
+        </p:spPr>
+        <p:style>
+          <a:lnRef idx="1">
+            <a:schemeClr val="accent1"/>
+          </a:lnRef>
+          <a:fillRef idx="0">
+            <a:schemeClr val="accent1"/>
+          </a:fillRef>
+          <a:effectRef idx="0">
+            <a:schemeClr val="accent1"/>
+          </a:effectRef>
+          <a:fontRef idx="minor">
+            <a:schemeClr val="tx1"/>
+          </a:fontRef>
+        </p:style>
+      </p:cxnSp>
+      <p:cxnSp>
+        <p:nvCxnSpPr>
+          <p:cNvPr id="17" name="Straight Arrow Connector 16"/>
+          <p:cNvCxnSpPr/>
+          <p:nvPr/>
+        </p:nvCxnSpPr>
+        <p:spPr>
+          <a:xfrm>
+            <a:off x="4400550" y="4261757"/>
+            <a:ext cx="285750" cy="1404257"/>
+          </a:xfrm>
+          <a:prstGeom prst="straightConnector1">
+            <a:avLst/>
+          </a:prstGeom>
+          <a:ln w="28575">
+            <a:solidFill>
+              <a:schemeClr val="tx1"/>
+            </a:solidFill>
+            <a:tailEnd type="triangle"/>
+          </a:ln>
+        </p:spPr>
+        <p:style>
+          <a:lnRef idx="1">
+            <a:schemeClr val="accent1"/>
+          </a:lnRef>
+          <a:fillRef idx="0">
+            <a:schemeClr val="accent1"/>
+          </a:fillRef>
+          <a:effectRef idx="0">
+            <a:schemeClr val="accent1"/>
+          </a:effectRef>
+          <a:fontRef idx="minor">
+            <a:schemeClr val="tx1"/>
+          </a:fontRef>
+        </p:style>
+      </p:cxnSp>
+      <p:cxnSp>
+        <p:nvCxnSpPr>
+          <p:cNvPr id="19" name="Straight Arrow Connector 18"/>
+          <p:cNvCxnSpPr/>
+          <p:nvPr/>
+        </p:nvCxnSpPr>
+        <p:spPr>
+          <a:xfrm flipH="1" flipV="1">
+            <a:off x="4539343" y="3306536"/>
+            <a:ext cx="473528" cy="2204357"/>
+          </a:xfrm>
+          <a:prstGeom prst="straightConnector1">
+            <a:avLst/>
+          </a:prstGeom>
+          <a:ln w="28575">
+            <a:solidFill>
+              <a:schemeClr val="accent2">
+                <a:lumMod val="75000"/>
+              </a:schemeClr>
+            </a:solidFill>
+            <a:tailEnd type="triangle"/>
+          </a:ln>
+        </p:spPr>
+        <p:style>
+          <a:lnRef idx="1">
+            <a:schemeClr val="accent1"/>
+          </a:lnRef>
+          <a:fillRef idx="0">
+            <a:schemeClr val="accent1"/>
+          </a:fillRef>
+          <a:effectRef idx="0">
+            <a:schemeClr val="accent1"/>
+          </a:effectRef>
+          <a:fontRef idx="minor">
+            <a:schemeClr val="tx1"/>
+          </a:fontRef>
+        </p:style>
+      </p:cxnSp>
+      <p:cxnSp>
+        <p:nvCxnSpPr>
+          <p:cNvPr id="21" name="Straight Arrow Connector 20"/>
+          <p:cNvCxnSpPr/>
+          <p:nvPr/>
+        </p:nvCxnSpPr>
+        <p:spPr>
+          <a:xfrm flipH="1" flipV="1">
+            <a:off x="5906860" y="3339193"/>
+            <a:ext cx="163286" cy="2171700"/>
+          </a:xfrm>
+          <a:prstGeom prst="straightConnector1">
+            <a:avLst/>
+          </a:prstGeom>
+          <a:ln w="28575">
+            <a:solidFill>
+              <a:schemeClr val="tx1"/>
+            </a:solidFill>
+            <a:tailEnd type="triangle"/>
+          </a:ln>
+        </p:spPr>
+        <p:style>
+          <a:lnRef idx="1">
+            <a:schemeClr val="accent1"/>
+          </a:lnRef>
+          <a:fillRef idx="0">
+            <a:schemeClr val="accent1"/>
+          </a:fillRef>
+          <a:effectRef idx="0">
+            <a:schemeClr val="accent1"/>
+          </a:effectRef>
+          <a:fontRef idx="minor">
+            <a:schemeClr val="tx1"/>
+          </a:fontRef>
+        </p:style>
+      </p:cxnSp>
+      <p:cxnSp>
+        <p:nvCxnSpPr>
+          <p:cNvPr id="23" name="Straight Arrow Connector 22"/>
+          <p:cNvCxnSpPr/>
+          <p:nvPr/>
+        </p:nvCxnSpPr>
+        <p:spPr>
+          <a:xfrm flipV="1">
+            <a:off x="6964136" y="5298621"/>
+            <a:ext cx="2188028" cy="367393"/>
+          </a:xfrm>
+          <a:prstGeom prst="straightConnector1">
+            <a:avLst/>
+          </a:prstGeom>
+          <a:ln w="28575">
+            <a:solidFill>
+              <a:schemeClr val="tx1"/>
+            </a:solidFill>
+            <a:tailEnd type="triangle"/>
+          </a:ln>
+        </p:spPr>
+        <p:style>
+          <a:lnRef idx="1">
+            <a:schemeClr val="accent1"/>
+          </a:lnRef>
+          <a:fillRef idx="0">
+            <a:schemeClr val="accent1"/>
+          </a:fillRef>
+          <a:effectRef idx="0">
+            <a:schemeClr val="accent1"/>
+          </a:effectRef>
+          <a:fontRef idx="minor">
+            <a:schemeClr val="tx1"/>
+          </a:fontRef>
+        </p:style>
+      </p:cxnSp>
+      <p:sp>
+        <p:nvSpPr>
+          <p:cNvPr id="24" name="Rectangle 23"/>
+          <p:cNvSpPr/>
+          <p:nvPr/>
+        </p:nvSpPr>
+        <p:spPr>
+          <a:xfrm>
+            <a:off x="6890657" y="996043"/>
+            <a:ext cx="1567543" cy="1747157"/>
+          </a:xfrm>
+          <a:prstGeom prst="rect">
+            <a:avLst/>
+          </a:prstGeom>
+        </p:spPr>
+        <p:style>
+          <a:lnRef idx="2">
+            <a:schemeClr val="accent1">
+              <a:shade val="50000"/>
+            </a:schemeClr>
+          </a:lnRef>
+          <a:fillRef idx="1">
+            <a:schemeClr val="accent1"/>
+          </a:fillRef>
+          <a:effectRef idx="0">
+            <a:schemeClr val="accent1"/>
+          </a:effectRef>
+          <a:fontRef idx="minor">
+            <a:schemeClr val="lt1"/>
+          </a:fontRef>
+        </p:style>
+        <p:txBody>
+          <a:bodyPr rtlCol="0" anchor="ctr"/>
+          <a:lstStyle/>
+          <a:p>
+            <a:pPr algn="ctr"/>
+            <a:r>
+              <a:rPr lang="en-US" dirty="0"/>
+              <a:t>Docker</a:t>
+            </a:r>
+          </a:p>
+          <a:p>
+            <a:pPr algn="ctr"/>
+            <a:r>
+              <a:rPr lang="en-US" dirty="0"/>
+              <a:t>Hub</a:t>
+            </a:r>
+          </a:p>
+        </p:txBody>
+      </p:sp>
+      <p:cxnSp>
+        <p:nvCxnSpPr>
+          <p:cNvPr id="26" name="Straight Connector 25"/>
+          <p:cNvCxnSpPr/>
+          <p:nvPr/>
+        </p:nvCxnSpPr>
+        <p:spPr>
+          <a:xfrm>
+            <a:off x="3878036" y="2041071"/>
+            <a:ext cx="310243" cy="277586"/>
+          </a:xfrm>
+          <a:prstGeom prst="line">
+            <a:avLst/>
+          </a:prstGeom>
+          <a:ln w="38100">
+            <a:solidFill>
+              <a:srgbClr val="FF0000"/>
+            </a:solidFill>
+          </a:ln>
+        </p:spPr>
+        <p:style>
+          <a:lnRef idx="1">
+            <a:schemeClr val="accent1"/>
+          </a:lnRef>
+          <a:fillRef idx="0">
+            <a:schemeClr val="accent1"/>
+          </a:fillRef>
+          <a:effectRef idx="0">
+            <a:schemeClr val="accent1"/>
+          </a:effectRef>
+          <a:fontRef idx="minor">
+            <a:schemeClr val="tx1"/>
+          </a:fontRef>
+        </p:style>
+      </p:cxnSp>
+      <p:cxnSp>
+        <p:nvCxnSpPr>
+          <p:cNvPr id="28" name="Straight Connector 27"/>
+          <p:cNvCxnSpPr/>
+          <p:nvPr/>
+        </p:nvCxnSpPr>
+        <p:spPr>
+          <a:xfrm flipH="1">
+            <a:off x="3902529" y="1983921"/>
+            <a:ext cx="187778" cy="375557"/>
+          </a:xfrm>
+          <a:prstGeom prst="line">
+            <a:avLst/>
+          </a:prstGeom>
+          <a:ln w="38100">
+            <a:solidFill>
+              <a:srgbClr val="FF0000"/>
+            </a:solidFill>
+          </a:ln>
+        </p:spPr>
+        <p:style>
+          <a:lnRef idx="1">
+            <a:schemeClr val="accent1"/>
+          </a:lnRef>
+          <a:fillRef idx="0">
+            <a:schemeClr val="accent1"/>
+          </a:fillRef>
+          <a:effectRef idx="0">
+            <a:schemeClr val="accent1"/>
+          </a:effectRef>
+          <a:fontRef idx="minor">
+            <a:schemeClr val="tx1"/>
+          </a:fontRef>
+        </p:style>
+      </p:cxnSp>
+    </p:spTree>
+    <p:extLst>
+      <p:ext uri="{BB962C8B-B14F-4D97-AF65-F5344CB8AC3E}">
+        <p14:creationId xmlns:p14="http://schemas.microsoft.com/office/powerpoint/2010/main" val="4272914199"/>
+      </p:ext>
+    </p:extLst>
+  </p:cSld>
+  <p:clrMapOvr>
+    <a:masterClrMapping/>
+  </p:clrMapOvr>
+</p:sld>
+</file>
+
+<file path=ppt/slides/slide9.xml><?xml version="1.0" encoding="utf-8"?>
+<p:sld xmlns:a="http://schemas.openxmlformats.org/drawingml/2006/main" xmlns:r="http://schemas.openxmlformats.org/officeDocument/2006/relationships" xmlns:p="http://schemas.openxmlformats.org/presentationml/2006/main">
+  <p:cSld>
+    <p:spTree>
+      <p:nvGrpSpPr>
+        <p:cNvPr id="1" name=""/>
+        <p:cNvGrpSpPr/>
+        <p:nvPr/>
+      </p:nvGrpSpPr>
+      <p:grpSpPr>
+        <a:xfrm>
+          <a:off x="0" y="0"/>
+          <a:ext cx="0" cy="0"/>
+          <a:chOff x="0" y="0"/>
+          <a:chExt cx="0" cy="0"/>
+        </a:xfrm>
+      </p:grpSpPr>
+      <p:sp>
+        <p:nvSpPr>
+          <p:cNvPr id="27" name="Rectangle 26"/>
+          <p:cNvSpPr/>
+          <p:nvPr/>
+        </p:nvSpPr>
+        <p:spPr>
+          <a:xfrm>
+            <a:off x="5523139" y="76199"/>
+            <a:ext cx="1722664" cy="923926"/>
+          </a:xfrm>
+          <a:prstGeom prst="rect">
+            <a:avLst/>
+          </a:prstGeom>
+        </p:spPr>
+        <p:style>
+          <a:lnRef idx="2">
+            <a:schemeClr val="accent2">
+              <a:shade val="50000"/>
+            </a:schemeClr>
+          </a:lnRef>
+          <a:fillRef idx="1">
+            <a:schemeClr val="accent2"/>
+          </a:fillRef>
+          <a:effectRef idx="0">
+            <a:schemeClr val="accent2"/>
+          </a:effectRef>
+          <a:fontRef idx="minor">
+            <a:schemeClr val="lt1"/>
+          </a:fontRef>
+        </p:style>
+        <p:txBody>
+          <a:bodyPr rtlCol="0" anchor="ctr"/>
+          <a:lstStyle/>
+          <a:p>
+            <a:pPr algn="ctr"/>
+            <a:r>
+              <a:rPr lang="en-US" dirty="0"/>
+              <a:t>Terraform</a:t>
+            </a:r>
+          </a:p>
+        </p:txBody>
+      </p:sp>
+      <p:sp>
+        <p:nvSpPr>
+          <p:cNvPr id="5" name="Oval 4"/>
+          <p:cNvSpPr/>
+          <p:nvPr/>
+        </p:nvSpPr>
+        <p:spPr>
+          <a:xfrm>
+            <a:off x="163286" y="3143250"/>
+            <a:ext cx="424543" cy="481693"/>
+          </a:xfrm>
+          <a:prstGeom prst="ellipse">
+            <a:avLst/>
+          </a:prstGeom>
+        </p:spPr>
+        <p:style>
+          <a:lnRef idx="2">
+            <a:schemeClr val="accent1">
+              <a:shade val="50000"/>
+            </a:schemeClr>
+          </a:lnRef>
+          <a:fillRef idx="1">
+            <a:schemeClr val="accent1"/>
+          </a:fillRef>
+          <a:effectRef idx="0">
+            <a:schemeClr val="accent1"/>
+          </a:effectRef>
+          <a:fontRef idx="minor">
+            <a:schemeClr val="lt1"/>
+          </a:fontRef>
+        </p:style>
+        <p:txBody>
+          <a:bodyPr rtlCol="0" anchor="ctr"/>
+          <a:lstStyle/>
+          <a:p>
+            <a:pPr algn="ctr"/>
+            <a:endParaRPr lang="en-US"/>
+          </a:p>
+        </p:txBody>
+      </p:sp>
+      <p:sp>
+        <p:nvSpPr>
+          <p:cNvPr id="6" name="Rectangle 5"/>
+          <p:cNvSpPr/>
+          <p:nvPr/>
+        </p:nvSpPr>
+        <p:spPr>
+          <a:xfrm>
+            <a:off x="824593" y="2808515"/>
+            <a:ext cx="1355271" cy="1469571"/>
+          </a:xfrm>
+          <a:prstGeom prst="rect">
+            <a:avLst/>
+          </a:prstGeom>
+        </p:spPr>
+        <p:style>
+          <a:lnRef idx="2">
+            <a:schemeClr val="accent6">
+              <a:shade val="50000"/>
+            </a:schemeClr>
+          </a:lnRef>
+          <a:fillRef idx="1">
+            <a:schemeClr val="accent6"/>
+          </a:fillRef>
+          <a:effectRef idx="0">
+            <a:schemeClr val="accent6"/>
+          </a:effectRef>
+          <a:fontRef idx="minor">
+            <a:schemeClr val="lt1"/>
+          </a:fontRef>
+        </p:style>
+        <p:txBody>
+          <a:bodyPr rtlCol="0" anchor="ctr"/>
+          <a:lstStyle/>
+          <a:p>
+            <a:pPr algn="ctr"/>
+            <a:r>
+              <a:rPr lang="en-US" dirty="0"/>
+              <a:t>Code</a:t>
+            </a:r>
+          </a:p>
+          <a:p>
+            <a:pPr algn="ctr"/>
+            <a:r>
+              <a:rPr lang="en-US" dirty="0"/>
+              <a:t>Commit</a:t>
+            </a:r>
+          </a:p>
+        </p:txBody>
+      </p:sp>
+      <p:sp>
+        <p:nvSpPr>
+          <p:cNvPr id="7" name="Rectangle 6"/>
+          <p:cNvSpPr/>
+          <p:nvPr/>
+        </p:nvSpPr>
+        <p:spPr>
+          <a:xfrm>
+            <a:off x="2416628" y="1491343"/>
+            <a:ext cx="1355271" cy="1469571"/>
+          </a:xfrm>
+          <a:prstGeom prst="rect">
+            <a:avLst/>
+          </a:prstGeom>
+        </p:spPr>
+        <p:style>
+          <a:lnRef idx="2">
+            <a:schemeClr val="accent6">
+              <a:shade val="50000"/>
+            </a:schemeClr>
+          </a:lnRef>
+          <a:fillRef idx="1">
+            <a:schemeClr val="accent6"/>
+          </a:fillRef>
+          <a:effectRef idx="0">
+            <a:schemeClr val="accent6"/>
+          </a:effectRef>
+          <a:fontRef idx="minor">
+            <a:schemeClr val="lt1"/>
+          </a:fontRef>
+        </p:style>
+        <p:txBody>
+          <a:bodyPr rtlCol="0" anchor="ctr"/>
+          <a:lstStyle/>
+          <a:p>
+            <a:pPr algn="ctr"/>
+            <a:r>
+              <a:rPr lang="en-US" dirty="0"/>
+              <a:t>Code</a:t>
+            </a:r>
+          </a:p>
+          <a:p>
+            <a:pPr algn="ctr"/>
+            <a:r>
+              <a:rPr lang="en-US" dirty="0"/>
+              <a:t>Build</a:t>
+            </a:r>
+          </a:p>
+        </p:txBody>
+      </p:sp>
+      <p:sp>
+        <p:nvSpPr>
+          <p:cNvPr id="8" name="Rectangle 7"/>
+          <p:cNvSpPr/>
+          <p:nvPr/>
+        </p:nvSpPr>
+        <p:spPr>
+          <a:xfrm>
+            <a:off x="2416628" y="3314700"/>
+            <a:ext cx="4955722" cy="791936"/>
+          </a:xfrm>
+          <a:prstGeom prst="rect">
+            <a:avLst/>
+          </a:prstGeom>
+          <a:solidFill>
+            <a:schemeClr val="accent6"/>
+          </a:solidFill>
+        </p:spPr>
+        <p:style>
+          <a:lnRef idx="2">
+            <a:schemeClr val="accent1">
+              <a:shade val="50000"/>
+            </a:schemeClr>
+          </a:lnRef>
+          <a:fillRef idx="1">
+            <a:schemeClr val="accent1"/>
+          </a:fillRef>
+          <a:effectRef idx="0">
+            <a:schemeClr val="accent1"/>
+          </a:effectRef>
+          <a:fontRef idx="minor">
+            <a:schemeClr val="lt1"/>
+          </a:fontRef>
+        </p:style>
+        <p:txBody>
+          <a:bodyPr rtlCol="0" anchor="ctr"/>
+          <a:lstStyle/>
+          <a:p>
+            <a:pPr algn="ctr"/>
+            <a:r>
+              <a:rPr lang="en-US" dirty="0"/>
+              <a:t>Code Pipeline</a:t>
+            </a:r>
+          </a:p>
+        </p:txBody>
+      </p:sp>
+      <p:sp>
+        <p:nvSpPr>
+          <p:cNvPr id="9" name="Rectangle 8"/>
+          <p:cNvSpPr/>
+          <p:nvPr/>
+        </p:nvSpPr>
+        <p:spPr>
+          <a:xfrm>
+            <a:off x="4351564" y="1491343"/>
+            <a:ext cx="1412422" cy="1469571"/>
+          </a:xfrm>
+          <a:prstGeom prst="rect">
+            <a:avLst/>
+          </a:prstGeom>
+          <a:solidFill>
+            <a:schemeClr val="accent6"/>
+          </a:solidFill>
+        </p:spPr>
+        <p:style>
+          <a:lnRef idx="2">
+            <a:schemeClr val="accent1">
+              <a:shade val="50000"/>
+            </a:schemeClr>
+          </a:lnRef>
+          <a:fillRef idx="1">
+            <a:schemeClr val="accent1"/>
+          </a:fillRef>
+          <a:effectRef idx="0">
+            <a:schemeClr val="accent1"/>
+          </a:effectRef>
+          <a:fontRef idx="minor">
+            <a:schemeClr val="lt1"/>
+          </a:fontRef>
+        </p:style>
+        <p:txBody>
+          <a:bodyPr rtlCol="0" anchor="ctr"/>
+          <a:lstStyle/>
+          <a:p>
+            <a:pPr algn="ctr"/>
+            <a:r>
+              <a:rPr lang="en-US" dirty="0"/>
+              <a:t>Code</a:t>
+            </a:r>
+          </a:p>
+          <a:p>
+            <a:pPr algn="ctr"/>
+            <a:r>
+              <a:rPr lang="en-US" dirty="0"/>
+              <a:t>Deploy</a:t>
+            </a:r>
+          </a:p>
+        </p:txBody>
+      </p:sp>
+      <p:sp>
+        <p:nvSpPr>
+          <p:cNvPr id="10" name="Rectangle 9"/>
+          <p:cNvSpPr/>
+          <p:nvPr/>
+        </p:nvSpPr>
+        <p:spPr>
+          <a:xfrm>
+            <a:off x="3094263" y="4637314"/>
+            <a:ext cx="1257301" cy="1714500"/>
+          </a:xfrm>
+          <a:prstGeom prst="rect">
+            <a:avLst/>
+          </a:prstGeom>
+          <a:solidFill>
+            <a:schemeClr val="accent6"/>
+          </a:solidFill>
+        </p:spPr>
+        <p:style>
+          <a:lnRef idx="2">
+            <a:schemeClr val="accent1">
+              <a:shade val="50000"/>
+            </a:schemeClr>
+          </a:lnRef>
+          <a:fillRef idx="1">
+            <a:schemeClr val="accent1"/>
+          </a:fillRef>
+          <a:effectRef idx="0">
+            <a:schemeClr val="accent1"/>
+          </a:effectRef>
+          <a:fontRef idx="minor">
+            <a:schemeClr val="lt1"/>
+          </a:fontRef>
+        </p:style>
+        <p:txBody>
+          <a:bodyPr rtlCol="0" anchor="ctr"/>
+          <a:lstStyle/>
+          <a:p>
+            <a:pPr algn="ctr"/>
+            <a:r>
+              <a:rPr lang="en-US" dirty="0"/>
+              <a:t>EC2</a:t>
+            </a:r>
+          </a:p>
+        </p:txBody>
+      </p:sp>
+      <p:sp>
+        <p:nvSpPr>
+          <p:cNvPr id="11" name="Rectangle 10"/>
+          <p:cNvSpPr/>
+          <p:nvPr/>
+        </p:nvSpPr>
+        <p:spPr>
+          <a:xfrm>
+            <a:off x="4894489" y="4637314"/>
+            <a:ext cx="1257301" cy="1714500"/>
+          </a:xfrm>
+          <a:prstGeom prst="rect">
+            <a:avLst/>
+          </a:prstGeom>
+          <a:solidFill>
+            <a:schemeClr val="accent6"/>
+          </a:solidFill>
+        </p:spPr>
+        <p:style>
+          <a:lnRef idx="2">
+            <a:schemeClr val="accent1">
+              <a:shade val="50000"/>
+            </a:schemeClr>
+          </a:lnRef>
+          <a:fillRef idx="1">
+            <a:schemeClr val="accent1"/>
+          </a:fillRef>
+          <a:effectRef idx="0">
+            <a:schemeClr val="accent1"/>
+          </a:effectRef>
+          <a:fontRef idx="minor">
+            <a:schemeClr val="lt1"/>
+          </a:fontRef>
+        </p:style>
+        <p:txBody>
+          <a:bodyPr rtlCol="0" anchor="ctr"/>
+          <a:lstStyle/>
+          <a:p>
+            <a:pPr algn="ctr"/>
+            <a:r>
+              <a:rPr lang="en-US" dirty="0"/>
+              <a:t>EC2</a:t>
+            </a:r>
+          </a:p>
+        </p:txBody>
+      </p:sp>
+      <p:sp>
+        <p:nvSpPr>
+          <p:cNvPr id="12" name="Rectangle 11"/>
+          <p:cNvSpPr/>
+          <p:nvPr/>
+        </p:nvSpPr>
+        <p:spPr>
+          <a:xfrm>
+            <a:off x="2833007" y="4523014"/>
+            <a:ext cx="4449536" cy="1975757"/>
+          </a:xfrm>
+          <a:prstGeom prst="rect">
+            <a:avLst/>
+          </a:prstGeom>
+          <a:noFill/>
+        </p:spPr>
+        <p:style>
+          <a:lnRef idx="2">
+            <a:schemeClr val="accent1">
+              <a:shade val="50000"/>
+            </a:schemeClr>
+          </a:lnRef>
+          <a:fillRef idx="1">
+            <a:schemeClr val="accent1"/>
+          </a:fillRef>
+          <a:effectRef idx="0">
+            <a:schemeClr val="accent1"/>
+          </a:effectRef>
+          <a:fontRef idx="minor">
+            <a:schemeClr val="lt1"/>
+          </a:fontRef>
+        </p:style>
+        <p:txBody>
+          <a:bodyPr rtlCol="0" anchor="ctr"/>
+          <a:lstStyle/>
+          <a:p>
+            <a:pPr algn="ctr"/>
+            <a:endParaRPr lang="en-US"/>
+          </a:p>
+        </p:txBody>
+      </p:sp>
+      <p:sp>
+        <p:nvSpPr>
+          <p:cNvPr id="13" name="Rectangle 12"/>
+          <p:cNvSpPr/>
+          <p:nvPr/>
+        </p:nvSpPr>
+        <p:spPr>
+          <a:xfrm>
+            <a:off x="7086599" y="4637314"/>
+            <a:ext cx="416379" cy="1714500"/>
+          </a:xfrm>
+          <a:prstGeom prst="rect">
+            <a:avLst/>
+          </a:prstGeom>
+          <a:solidFill>
+            <a:schemeClr val="accent6"/>
+          </a:solidFill>
+        </p:spPr>
+        <p:style>
+          <a:lnRef idx="2">
+            <a:schemeClr val="accent1">
+              <a:shade val="50000"/>
+            </a:schemeClr>
+          </a:lnRef>
+          <a:fillRef idx="1">
+            <a:schemeClr val="accent1"/>
+          </a:fillRef>
+          <a:effectRef idx="0">
+            <a:schemeClr val="accent1"/>
+          </a:effectRef>
+          <a:fontRef idx="minor">
+            <a:schemeClr val="lt1"/>
+          </a:fontRef>
+        </p:style>
+        <p:txBody>
+          <a:bodyPr rtlCol="0" anchor="ctr"/>
+          <a:lstStyle/>
+          <a:p>
+            <a:pPr algn="ctr"/>
+            <a:r>
+              <a:rPr lang="en-US" dirty="0"/>
+              <a:t>C</a:t>
+            </a:r>
+            <a:br>
+              <a:rPr lang="en-US" dirty="0"/>
+            </a:br>
+            <a:r>
+              <a:rPr lang="en-US" dirty="0"/>
+              <a:t>L</a:t>
+            </a:r>
+            <a:br>
+              <a:rPr lang="en-US" dirty="0"/>
+            </a:br>
+            <a:r>
+              <a:rPr lang="en-US" dirty="0"/>
+              <a:t>B</a:t>
+            </a:r>
+          </a:p>
+        </p:txBody>
+      </p:sp>
+      <p:sp>
+        <p:nvSpPr>
+          <p:cNvPr id="14" name="Rectangle 13"/>
+          <p:cNvSpPr/>
+          <p:nvPr/>
+        </p:nvSpPr>
+        <p:spPr>
+          <a:xfrm>
+            <a:off x="824593" y="4898571"/>
+            <a:ext cx="1445078" cy="1453243"/>
+          </a:xfrm>
+          <a:prstGeom prst="rect">
+            <a:avLst/>
+          </a:prstGeom>
+          <a:solidFill>
+            <a:schemeClr val="accent6"/>
+          </a:solidFill>
+        </p:spPr>
+        <p:style>
+          <a:lnRef idx="2">
+            <a:schemeClr val="accent1">
+              <a:shade val="50000"/>
+            </a:schemeClr>
+          </a:lnRef>
+          <a:fillRef idx="1">
+            <a:schemeClr val="accent1"/>
+          </a:fillRef>
+          <a:effectRef idx="0">
+            <a:schemeClr val="accent1"/>
+          </a:effectRef>
+          <a:fontRef idx="minor">
+            <a:schemeClr val="lt1"/>
+          </a:fontRef>
+        </p:style>
+        <p:txBody>
+          <a:bodyPr rtlCol="0" anchor="ctr"/>
+          <a:lstStyle/>
+          <a:p>
+            <a:pPr algn="ctr"/>
+            <a:r>
+              <a:rPr lang="en-US" dirty="0"/>
+              <a:t>RDS</a:t>
+            </a:r>
+          </a:p>
+        </p:txBody>
+      </p:sp>
+      <p:sp>
+        <p:nvSpPr>
+          <p:cNvPr id="15" name="Rectangle 14"/>
+          <p:cNvSpPr/>
+          <p:nvPr/>
+        </p:nvSpPr>
+        <p:spPr>
+          <a:xfrm>
+            <a:off x="9805307" y="277586"/>
+            <a:ext cx="2171700" cy="1053193"/>
+          </a:xfrm>
+          <a:prstGeom prst="rect">
+            <a:avLst/>
+          </a:prstGeom>
+        </p:spPr>
+        <p:style>
+          <a:lnRef idx="2">
+            <a:schemeClr val="accent1">
+              <a:shade val="50000"/>
+            </a:schemeClr>
+          </a:lnRef>
+          <a:fillRef idx="1">
+            <a:schemeClr val="accent1"/>
+          </a:fillRef>
+          <a:effectRef idx="0">
+            <a:schemeClr val="accent1"/>
+          </a:effectRef>
+          <a:fontRef idx="minor">
+            <a:schemeClr val="lt1"/>
+          </a:fontRef>
+        </p:style>
+        <p:txBody>
+          <a:bodyPr rtlCol="0" anchor="ctr"/>
+          <a:lstStyle/>
+          <a:p>
+            <a:pPr algn="ctr"/>
+            <a:r>
+              <a:rPr lang="en-US" dirty="0" err="1"/>
+              <a:t>CloudWatch</a:t>
+            </a:r>
+            <a:endParaRPr lang="en-US" dirty="0"/>
+          </a:p>
+          <a:p>
+            <a:pPr algn="ctr"/>
+            <a:r>
+              <a:rPr lang="en-US" dirty="0" err="1"/>
+              <a:t>CloudTrail</a:t>
+            </a:r>
+            <a:endParaRPr lang="en-US" dirty="0"/>
+          </a:p>
+        </p:txBody>
+      </p:sp>
+      <p:sp>
+        <p:nvSpPr>
+          <p:cNvPr id="16" name="Rectangle 15"/>
+          <p:cNvSpPr/>
+          <p:nvPr/>
+        </p:nvSpPr>
+        <p:spPr>
+          <a:xfrm>
+            <a:off x="3980090" y="6498771"/>
+            <a:ext cx="2171700" cy="246289"/>
+          </a:xfrm>
+          <a:prstGeom prst="rect">
+            <a:avLst/>
+          </a:prstGeom>
+          <a:solidFill>
+            <a:schemeClr val="accent6"/>
+          </a:solidFill>
+        </p:spPr>
+        <p:style>
+          <a:lnRef idx="2">
+            <a:schemeClr val="accent1">
+              <a:shade val="50000"/>
+            </a:schemeClr>
+          </a:lnRef>
+          <a:fillRef idx="1">
+            <a:schemeClr val="accent1"/>
+          </a:fillRef>
+          <a:effectRef idx="0">
+            <a:schemeClr val="accent1"/>
+          </a:effectRef>
+          <a:fontRef idx="minor">
+            <a:schemeClr val="lt1"/>
+          </a:fontRef>
+        </p:style>
+        <p:txBody>
+          <a:bodyPr rtlCol="0" anchor="ctr"/>
+          <a:lstStyle/>
+          <a:p>
+            <a:pPr algn="ctr"/>
+            <a:r>
+              <a:rPr lang="en-US" dirty="0"/>
+              <a:t>VPC</a:t>
+            </a:r>
+          </a:p>
+        </p:txBody>
+      </p:sp>
+      <p:sp>
+        <p:nvSpPr>
+          <p:cNvPr id="17" name="Rectangle 16"/>
+          <p:cNvSpPr/>
+          <p:nvPr/>
+        </p:nvSpPr>
+        <p:spPr>
+          <a:xfrm>
+            <a:off x="9805307" y="1592036"/>
+            <a:ext cx="2171700" cy="634092"/>
+          </a:xfrm>
+          <a:prstGeom prst="rect">
+            <a:avLst/>
+          </a:prstGeom>
+        </p:spPr>
+        <p:style>
+          <a:lnRef idx="2">
+            <a:schemeClr val="accent6">
+              <a:shade val="50000"/>
+            </a:schemeClr>
+          </a:lnRef>
+          <a:fillRef idx="1">
+            <a:schemeClr val="accent6"/>
+          </a:fillRef>
+          <a:effectRef idx="0">
+            <a:schemeClr val="accent6"/>
+          </a:effectRef>
+          <a:fontRef idx="minor">
+            <a:schemeClr val="lt1"/>
+          </a:fontRef>
+        </p:style>
+        <p:txBody>
+          <a:bodyPr rtlCol="0" anchor="ctr"/>
+          <a:lstStyle/>
+          <a:p>
+            <a:pPr algn="ctr"/>
+            <a:r>
+              <a:rPr lang="en-US" dirty="0"/>
+              <a:t>IAM</a:t>
+            </a:r>
+          </a:p>
+        </p:txBody>
+      </p:sp>
+      <p:sp>
+        <p:nvSpPr>
+          <p:cNvPr id="18" name="Rectangle 17"/>
+          <p:cNvSpPr/>
+          <p:nvPr/>
+        </p:nvSpPr>
+        <p:spPr>
+          <a:xfrm>
+            <a:off x="9805307" y="2585358"/>
+            <a:ext cx="2171700" cy="634092"/>
+          </a:xfrm>
+          <a:prstGeom prst="rect">
+            <a:avLst/>
+          </a:prstGeom>
+          <a:solidFill>
+            <a:schemeClr val="tx1"/>
+          </a:solidFill>
+          <a:ln>
+            <a:solidFill>
+              <a:schemeClr val="tx1"/>
+            </a:solidFill>
+          </a:ln>
+        </p:spPr>
+        <p:style>
+          <a:lnRef idx="2">
+            <a:schemeClr val="accent1">
+              <a:shade val="50000"/>
+            </a:schemeClr>
+          </a:lnRef>
+          <a:fillRef idx="1">
+            <a:schemeClr val="accent1"/>
+          </a:fillRef>
+          <a:effectRef idx="0">
+            <a:schemeClr val="accent1"/>
+          </a:effectRef>
+          <a:fontRef idx="minor">
+            <a:schemeClr val="lt1"/>
+          </a:fontRef>
+        </p:style>
+        <p:txBody>
+          <a:bodyPr rtlCol="0" anchor="ctr"/>
+          <a:lstStyle/>
+          <a:p>
+            <a:pPr algn="ctr"/>
+            <a:r>
+              <a:rPr lang="en-US" dirty="0" err="1"/>
+              <a:t>BeanStalk</a:t>
+            </a:r>
+            <a:endParaRPr lang="en-US" dirty="0"/>
+          </a:p>
+        </p:txBody>
+      </p:sp>
+      <p:sp>
+        <p:nvSpPr>
+          <p:cNvPr id="19" name="Rectangle 18"/>
+          <p:cNvSpPr/>
+          <p:nvPr/>
+        </p:nvSpPr>
+        <p:spPr>
+          <a:xfrm>
+            <a:off x="9805307" y="3456215"/>
+            <a:ext cx="2171700" cy="634092"/>
+          </a:xfrm>
+          <a:prstGeom prst="rect">
+            <a:avLst/>
+          </a:prstGeom>
+          <a:solidFill>
+            <a:schemeClr val="tx1"/>
+          </a:solidFill>
+          <a:ln>
+            <a:solidFill>
+              <a:schemeClr val="tx1"/>
+            </a:solidFill>
+          </a:ln>
+        </p:spPr>
+        <p:style>
+          <a:lnRef idx="2">
+            <a:schemeClr val="accent1">
+              <a:shade val="50000"/>
+            </a:schemeClr>
+          </a:lnRef>
+          <a:fillRef idx="1">
+            <a:schemeClr val="accent1"/>
+          </a:fillRef>
+          <a:effectRef idx="0">
+            <a:schemeClr val="accent1"/>
+          </a:effectRef>
+          <a:fontRef idx="minor">
+            <a:schemeClr val="lt1"/>
+          </a:fontRef>
+        </p:style>
+        <p:txBody>
+          <a:bodyPr rtlCol="0" anchor="ctr"/>
+          <a:lstStyle/>
+          <a:p>
+            <a:pPr algn="ctr"/>
+            <a:r>
+              <a:rPr lang="en-US" dirty="0"/>
+              <a:t>ECS</a:t>
+            </a:r>
+          </a:p>
+        </p:txBody>
+      </p:sp>
+      <p:sp>
+        <p:nvSpPr>
+          <p:cNvPr id="20" name="Rectangle 19"/>
+          <p:cNvSpPr/>
+          <p:nvPr/>
+        </p:nvSpPr>
+        <p:spPr>
+          <a:xfrm>
+            <a:off x="6090557" y="1491343"/>
+            <a:ext cx="1347107" cy="1469571"/>
+          </a:xfrm>
+          <a:prstGeom prst="rect">
+            <a:avLst/>
+          </a:prstGeom>
+        </p:spPr>
+        <p:style>
+          <a:lnRef idx="2">
+            <a:schemeClr val="accent6">
+              <a:shade val="50000"/>
+            </a:schemeClr>
+          </a:lnRef>
+          <a:fillRef idx="1">
+            <a:schemeClr val="accent6"/>
+          </a:fillRef>
+          <a:effectRef idx="0">
+            <a:schemeClr val="accent6"/>
+          </a:effectRef>
+          <a:fontRef idx="minor">
+            <a:schemeClr val="lt1"/>
+          </a:fontRef>
+        </p:style>
+        <p:txBody>
+          <a:bodyPr rtlCol="0" anchor="ctr"/>
+          <a:lstStyle/>
+          <a:p>
+            <a:pPr algn="ctr"/>
+            <a:r>
+              <a:rPr lang="en-US" dirty="0"/>
+              <a:t>S3</a:t>
+            </a:r>
+          </a:p>
+        </p:txBody>
+      </p:sp>
+      <p:sp>
+        <p:nvSpPr>
+          <p:cNvPr id="21" name="Rectangle 20"/>
+          <p:cNvSpPr/>
+          <p:nvPr/>
+        </p:nvSpPr>
+        <p:spPr>
+          <a:xfrm>
+            <a:off x="6874329" y="277586"/>
+            <a:ext cx="2661557" cy="489857"/>
+          </a:xfrm>
+          <a:prstGeom prst="rect">
+            <a:avLst/>
+          </a:prstGeom>
+          <a:solidFill>
+            <a:schemeClr val="accent6"/>
+          </a:solidFill>
+        </p:spPr>
+        <p:style>
+          <a:lnRef idx="2">
+            <a:schemeClr val="accent1">
+              <a:shade val="50000"/>
+            </a:schemeClr>
+          </a:lnRef>
+          <a:fillRef idx="1">
+            <a:schemeClr val="accent1"/>
+          </a:fillRef>
+          <a:effectRef idx="0">
+            <a:schemeClr val="accent1"/>
+          </a:effectRef>
+          <a:fontRef idx="minor">
+            <a:schemeClr val="lt1"/>
+          </a:fontRef>
+        </p:style>
+        <p:txBody>
+          <a:bodyPr rtlCol="0" anchor="ctr"/>
+          <a:lstStyle/>
+          <a:p>
+            <a:pPr algn="ctr"/>
+            <a:r>
+              <a:rPr lang="en-US" dirty="0"/>
+              <a:t>Cloud Formation</a:t>
+            </a:r>
+          </a:p>
+        </p:txBody>
+      </p:sp>
+      <p:sp>
+        <p:nvSpPr>
+          <p:cNvPr id="24" name="Round Diagonal Corner Rectangle 23"/>
+          <p:cNvSpPr/>
+          <p:nvPr/>
+        </p:nvSpPr>
+        <p:spPr>
+          <a:xfrm>
+            <a:off x="310243" y="359229"/>
+            <a:ext cx="1657350" cy="816428"/>
+          </a:xfrm>
+          <a:prstGeom prst="round2DiagRect">
+            <a:avLst/>
+          </a:prstGeom>
+          <a:solidFill>
+            <a:schemeClr val="accent6"/>
+          </a:solidFill>
+        </p:spPr>
+        <p:style>
+          <a:lnRef idx="2">
+            <a:schemeClr val="accent1">
+              <a:shade val="50000"/>
+            </a:schemeClr>
+          </a:lnRef>
+          <a:fillRef idx="1">
+            <a:schemeClr val="accent1"/>
+          </a:fillRef>
+          <a:effectRef idx="0">
+            <a:schemeClr val="accent1"/>
+          </a:effectRef>
+          <a:fontRef idx="minor">
+            <a:schemeClr val="lt1"/>
+          </a:fontRef>
+        </p:style>
+        <p:txBody>
+          <a:bodyPr rtlCol="0" anchor="ctr"/>
+          <a:lstStyle/>
+          <a:p>
+            <a:pPr algn="ctr"/>
+            <a:r>
+              <a:rPr lang="en-US" dirty="0"/>
+              <a:t>AWS-CLI</a:t>
+            </a:r>
+          </a:p>
+        </p:txBody>
+      </p:sp>
+      <p:sp>
+        <p:nvSpPr>
+          <p:cNvPr id="25" name="Rectangle 24"/>
+          <p:cNvSpPr/>
+          <p:nvPr/>
+        </p:nvSpPr>
+        <p:spPr>
+          <a:xfrm>
+            <a:off x="9805307" y="4327072"/>
+            <a:ext cx="2171700" cy="634092"/>
+          </a:xfrm>
+          <a:prstGeom prst="rect">
+            <a:avLst/>
+          </a:prstGeom>
+          <a:solidFill>
+            <a:schemeClr val="tx1"/>
+          </a:solidFill>
+          <a:ln>
+            <a:solidFill>
+              <a:schemeClr val="tx1"/>
+            </a:solidFill>
+          </a:ln>
+        </p:spPr>
+        <p:style>
+          <a:lnRef idx="2">
+            <a:schemeClr val="accent1">
+              <a:shade val="50000"/>
+            </a:schemeClr>
+          </a:lnRef>
+          <a:fillRef idx="1">
+            <a:schemeClr val="accent1"/>
+          </a:fillRef>
+          <a:effectRef idx="0">
+            <a:schemeClr val="accent1"/>
+          </a:effectRef>
+          <a:fontRef idx="minor">
+            <a:schemeClr val="lt1"/>
+          </a:fontRef>
+        </p:style>
+        <p:txBody>
+          <a:bodyPr rtlCol="0" anchor="ctr"/>
+          <a:lstStyle/>
+          <a:p>
+            <a:pPr algn="ctr"/>
+            <a:r>
+              <a:rPr lang="en-US" dirty="0"/>
+              <a:t>Lambda</a:t>
+            </a:r>
+          </a:p>
+        </p:txBody>
+      </p:sp>
+      <p:sp>
+        <p:nvSpPr>
+          <p:cNvPr id="26" name="Rectangle 25"/>
+          <p:cNvSpPr/>
+          <p:nvPr/>
+        </p:nvSpPr>
+        <p:spPr>
+          <a:xfrm>
+            <a:off x="9805307" y="5219700"/>
+            <a:ext cx="2171700" cy="634092"/>
+          </a:xfrm>
+          <a:prstGeom prst="rect">
+            <a:avLst/>
+          </a:prstGeom>
+          <a:solidFill>
+            <a:schemeClr val="accent6"/>
+          </a:solidFill>
+        </p:spPr>
+        <p:style>
+          <a:lnRef idx="2">
+            <a:schemeClr val="accent1">
+              <a:shade val="50000"/>
+            </a:schemeClr>
+          </a:lnRef>
+          <a:fillRef idx="1">
+            <a:schemeClr val="accent1"/>
+          </a:fillRef>
+          <a:effectRef idx="0">
+            <a:schemeClr val="accent1"/>
+          </a:effectRef>
+          <a:fontRef idx="minor">
+            <a:schemeClr val="lt1"/>
+          </a:fontRef>
+        </p:style>
+        <p:txBody>
+          <a:bodyPr rtlCol="0" anchor="ctr"/>
+          <a:lstStyle/>
+          <a:p>
+            <a:pPr algn="ctr"/>
+            <a:r>
+              <a:rPr lang="en-US" dirty="0"/>
+              <a:t>SNS</a:t>
+            </a:r>
+          </a:p>
+        </p:txBody>
+      </p:sp>
+    </p:spTree>
+    <p:extLst>
+      <p:ext uri="{BB962C8B-B14F-4D97-AF65-F5344CB8AC3E}">
+        <p14:creationId xmlns:p14="http://schemas.microsoft.com/office/powerpoint/2010/main" val="2929343647"/>
       </p:ext>
     </p:extLst>
   </p:cSld>
